--- a/Python-R_DataScience_cheat_sheet.pptx
+++ b/Python-R_DataScience_cheat_sheet.pptx
@@ -201,7 +201,7 @@
           <a:p>
             <a:fld id="{29CF01F5-37D7-2948-8742-E4E9EBF20A50}" type="datetimeFigureOut">
               <a:rPr lang="en-US" smtClean="0"/>
-              <a:t>9/30/19</a:t>
+              <a:t>10/6/19</a:t>
             </a:fld>
             <a:endParaRPr lang="en-US"/>
           </a:p>
@@ -702,7 +702,7 @@
           <a:p>
             <a:fld id="{9AC7BBCE-CCE9-2C45-9B4A-7E9BEFF531A3}" type="datetimeFigureOut">
               <a:rPr lang="en-US" smtClean="0"/>
-              <a:t>9/30/19</a:t>
+              <a:t>10/6/19</a:t>
             </a:fld>
             <a:endParaRPr lang="en-US"/>
           </a:p>
@@ -902,7 +902,7 @@
           <a:p>
             <a:fld id="{9AC7BBCE-CCE9-2C45-9B4A-7E9BEFF531A3}" type="datetimeFigureOut">
               <a:rPr lang="en-US" smtClean="0"/>
-              <a:t>9/30/19</a:t>
+              <a:t>10/6/19</a:t>
             </a:fld>
             <a:endParaRPr lang="en-US"/>
           </a:p>
@@ -1112,7 +1112,7 @@
           <a:p>
             <a:fld id="{9AC7BBCE-CCE9-2C45-9B4A-7E9BEFF531A3}" type="datetimeFigureOut">
               <a:rPr lang="en-US" smtClean="0"/>
-              <a:t>9/30/19</a:t>
+              <a:t>10/6/19</a:t>
             </a:fld>
             <a:endParaRPr lang="en-US"/>
           </a:p>
@@ -1312,7 +1312,7 @@
           <a:p>
             <a:fld id="{9AC7BBCE-CCE9-2C45-9B4A-7E9BEFF531A3}" type="datetimeFigureOut">
               <a:rPr lang="en-US" smtClean="0"/>
-              <a:t>9/30/19</a:t>
+              <a:t>10/6/19</a:t>
             </a:fld>
             <a:endParaRPr lang="en-US"/>
           </a:p>
@@ -1588,7 +1588,7 @@
           <a:p>
             <a:fld id="{9AC7BBCE-CCE9-2C45-9B4A-7E9BEFF531A3}" type="datetimeFigureOut">
               <a:rPr lang="en-US" smtClean="0"/>
-              <a:t>9/30/19</a:t>
+              <a:t>10/6/19</a:t>
             </a:fld>
             <a:endParaRPr lang="en-US"/>
           </a:p>
@@ -1856,7 +1856,7 @@
           <a:p>
             <a:fld id="{9AC7BBCE-CCE9-2C45-9B4A-7E9BEFF531A3}" type="datetimeFigureOut">
               <a:rPr lang="en-US" smtClean="0"/>
-              <a:t>9/30/19</a:t>
+              <a:t>10/6/19</a:t>
             </a:fld>
             <a:endParaRPr lang="en-US"/>
           </a:p>
@@ -2271,7 +2271,7 @@
           <a:p>
             <a:fld id="{9AC7BBCE-CCE9-2C45-9B4A-7E9BEFF531A3}" type="datetimeFigureOut">
               <a:rPr lang="en-US" smtClean="0"/>
-              <a:t>9/30/19</a:t>
+              <a:t>10/6/19</a:t>
             </a:fld>
             <a:endParaRPr lang="en-US"/>
           </a:p>
@@ -2413,7 +2413,7 @@
           <a:p>
             <a:fld id="{9AC7BBCE-CCE9-2C45-9B4A-7E9BEFF531A3}" type="datetimeFigureOut">
               <a:rPr lang="en-US" smtClean="0"/>
-              <a:t>9/30/19</a:t>
+              <a:t>10/6/19</a:t>
             </a:fld>
             <a:endParaRPr lang="en-US"/>
           </a:p>
@@ -2526,7 +2526,7 @@
           <a:p>
             <a:fld id="{9AC7BBCE-CCE9-2C45-9B4A-7E9BEFF531A3}" type="datetimeFigureOut">
               <a:rPr lang="en-US" smtClean="0"/>
-              <a:t>9/30/19</a:t>
+              <a:t>10/6/19</a:t>
             </a:fld>
             <a:endParaRPr lang="en-US"/>
           </a:p>
@@ -2839,7 +2839,7 @@
           <a:p>
             <a:fld id="{9AC7BBCE-CCE9-2C45-9B4A-7E9BEFF531A3}" type="datetimeFigureOut">
               <a:rPr lang="en-US" smtClean="0"/>
-              <a:t>9/30/19</a:t>
+              <a:t>10/6/19</a:t>
             </a:fld>
             <a:endParaRPr lang="en-US"/>
           </a:p>
@@ -3128,7 +3128,7 @@
           <a:p>
             <a:fld id="{9AC7BBCE-CCE9-2C45-9B4A-7E9BEFF531A3}" type="datetimeFigureOut">
               <a:rPr lang="en-US" smtClean="0"/>
-              <a:t>9/30/19</a:t>
+              <a:t>10/6/19</a:t>
             </a:fld>
             <a:endParaRPr lang="en-US"/>
           </a:p>
@@ -3371,7 +3371,7 @@
           <a:p>
             <a:fld id="{9AC7BBCE-CCE9-2C45-9B4A-7E9BEFF531A3}" type="datetimeFigureOut">
               <a:rPr lang="en-US" smtClean="0"/>
-              <a:t>9/30/19</a:t>
+              <a:t>10/6/19</a:t>
             </a:fld>
             <a:endParaRPr lang="en-US"/>
           </a:p>
@@ -4033,10 +4033,7 @@
               <a:rPr lang="en-US" sz="1600" dirty="0"/>
               <a:t>URUSHOTHAMAN</a:t>
             </a:r>
-            <a:r>
-              <a:rPr lang="en-US" sz="2000" dirty="0"/>
-              <a:t> | 13313491</a:t>
-            </a:r>
+            <a:endParaRPr lang="en-US" sz="2000" dirty="0"/>
           </a:p>
         </p:txBody>
       </p:sp>
@@ -4085,14 +4082,14 @@
           <p:nvPr>
             <p:extLst>
               <p:ext uri="{D42A27DB-BD31-4B8C-83A1-F6EECF244321}">
-                <p14:modId xmlns:p14="http://schemas.microsoft.com/office/powerpoint/2010/main" val="3023846371"/>
+                <p14:modId xmlns:p14="http://schemas.microsoft.com/office/powerpoint/2010/main" val="3797801075"/>
               </p:ext>
             </p:extLst>
           </p:nvPr>
         </p:nvGraphicFramePr>
         <p:xfrm>
           <a:off x="0" y="0"/>
-          <a:ext cx="12192001" cy="6858004"/>
+          <a:ext cx="12192001" cy="6869081"/>
         </p:xfrm>
         <a:graphic>
           <a:graphicData uri="http://schemas.openxmlformats.org/drawingml/2006/table">
@@ -4123,7 +4120,7 @@
                   </a:extLst>
                 </a:gridCol>
               </a:tblGrid>
-              <a:tr h="261404">
+              <a:tr h="283411">
                 <a:tc gridSpan="3">
                   <a:txBody>
                     <a:bodyPr/>
@@ -4196,19 +4193,15 @@
                   </a:ext>
                 </a:extLst>
               </a:tr>
-              <a:tr h="937978">
+              <a:tr h="1086200">
                 <a:tc>
                   <a:txBody>
                     <a:bodyPr/>
                     <a:lstStyle/>
                     <a:p>
                       <a:r>
-                        <a:rPr lang="en-US" sz="1100"/>
-                        <a:t>Csv</a:t>
-                      </a:r>
-                      <a:r>
-                        <a:rPr lang="en-US" sz="1100" dirty="0"/>
-                        <a:t>, </a:t>
+                        <a:rPr lang="en-US" sz="1100" dirty="0"/>
+                        <a:t>Csv, </a:t>
                       </a:r>
                       <a:r>
                         <a:rPr lang="en-US" sz="1100" dirty="0" err="1"/>
@@ -4224,9 +4217,6 @@
                         <a:rPr lang="en-US" sz="1100" dirty="0"/>
                         <a:t>Excel formats</a:t>
                       </a:r>
-                    </a:p>
-                    <a:p>
-                      <a:endParaRPr lang="en-US" sz="1100" dirty="0"/>
                     </a:p>
                     <a:p>
                       <a:pPr marL="0" marR="0" lvl="0" indent="0" algn="l" defTabSz="914400" rtl="0" eaLnBrk="1" fontAlgn="auto" latinLnBrk="0" hangingPunct="1">
@@ -4246,92 +4236,6 @@
                         <a:tabLst/>
                         <a:defRPr/>
                       </a:pPr>
-                      <a:r>
-                        <a:rPr lang="en-US" sz="1100" dirty="0"/>
-                        <a:t>From built-in </a:t>
-                      </a:r>
-                      <a:r>
-                        <a:rPr lang="en-US" sz="1100" dirty="0" err="1"/>
-                        <a:t>datastructure</a:t>
-                      </a:r>
-                      <a:endParaRPr lang="en-US" sz="1100" dirty="0"/>
-                    </a:p>
-                  </a:txBody>
-                  <a:tcPr/>
-                </a:tc>
-                <a:tc>
-                  <a:txBody>
-                    <a:bodyPr/>
-                    <a:lstStyle/>
-                    <a:p>
-                      <a:r>
-                        <a:rPr lang="en-US" sz="1100" dirty="0"/>
-                        <a:t>df = </a:t>
-                      </a:r>
-                      <a:r>
-                        <a:rPr lang="en-US" sz="1100" dirty="0" err="1"/>
-                        <a:t>pandas.read_csv</a:t>
-                      </a:r>
-                      <a:r>
-                        <a:rPr lang="en-US" sz="1100" dirty="0"/>
-                        <a:t>(’/path/to/</a:t>
-                      </a:r>
-                      <a:r>
-                        <a:rPr lang="en-US" sz="1100" dirty="0" err="1"/>
-                        <a:t>file.csv</a:t>
-                      </a:r>
-                      <a:r>
-                        <a:rPr lang="en-US" sz="1100" dirty="0"/>
-                        <a:t>’, </a:t>
-                      </a:r>
-                      <a:r>
-                        <a:rPr lang="en-US" sz="1100" dirty="0" err="1"/>
-                        <a:t>sep</a:t>
-                      </a:r>
-                      <a:r>
-                        <a:rPr lang="en-US" sz="1100" dirty="0"/>
-                        <a:t>=‘,’)</a:t>
-                      </a:r>
-                    </a:p>
-                    <a:p>
-                      <a:r>
-                        <a:rPr lang="en-US" sz="1100" dirty="0"/>
-                        <a:t>df = </a:t>
-                      </a:r>
-                      <a:r>
-                        <a:rPr lang="en-US" sz="1100" dirty="0" err="1"/>
-                        <a:t>pandas.read_excel</a:t>
-                      </a:r>
-                      <a:r>
-                        <a:rPr lang="en-US" sz="1100" dirty="0"/>
-                        <a:t>(‘/path/to/</a:t>
-                      </a:r>
-                      <a:r>
-                        <a:rPr lang="en-US" sz="1100" dirty="0" err="1"/>
-                        <a:t>file.xlsx</a:t>
-                      </a:r>
-                      <a:r>
-                        <a:rPr lang="en-US" sz="1100" dirty="0"/>
-                        <a:t>’, </a:t>
-                      </a:r>
-                      <a:r>
-                        <a:rPr lang="en-US" sz="1100" dirty="0" err="1"/>
-                        <a:t>sheet_name</a:t>
-                      </a:r>
-                      <a:r>
-                        <a:rPr lang="en-US" sz="1100" dirty="0"/>
-                        <a:t>=‘</a:t>
-                      </a:r>
-                      <a:r>
-                        <a:rPr lang="en-US" sz="1100" dirty="0" err="1"/>
-                        <a:t>my_datasheet</a:t>
-                      </a:r>
-                      <a:r>
-                        <a:rPr lang="en-US" sz="1100" dirty="0"/>
-                        <a:t>’)</a:t>
-                      </a:r>
-                    </a:p>
-                    <a:p>
                       <a:endParaRPr lang="en-US" sz="1100" dirty="0"/>
                     </a:p>
                     <a:p>
@@ -4354,38 +4258,11 @@
                       </a:pPr>
                       <a:r>
                         <a:rPr lang="en-US" sz="1100" dirty="0"/>
-                        <a:t>dict1 = {‘name’:[‘John’, ‘Larry’, ‘Chris’], ‘age’:[24, 23, 26]} </a:t>
-                      </a:r>
-                      <a:endParaRPr lang="en-US" sz="1100" baseline="30000" dirty="0">
-                        <a:solidFill>
-                          <a:schemeClr val="bg1">
-                            <a:lumMod val="50000"/>
-                          </a:schemeClr>
-                        </a:solidFill>
-                      </a:endParaRPr>
-                    </a:p>
-                    <a:p>
-                      <a:r>
-                        <a:rPr lang="en-US" sz="1100" dirty="0"/>
-                        <a:t>df = </a:t>
+                        <a:t>From built-in </a:t>
                       </a:r>
                       <a:r>
                         <a:rPr lang="en-US" sz="1100" dirty="0" err="1"/>
-                        <a:t>pandas.DataFrame</a:t>
-                      </a:r>
-                      <a:r>
-                        <a:rPr lang="en-US" sz="1100" dirty="0"/>
-                        <a:t>(dict1)</a:t>
-                      </a:r>
-                      <a:r>
-                        <a:rPr lang="en-US" sz="1100" baseline="30000" dirty="0">
-                          <a:solidFill>
-                            <a:schemeClr val="bg1">
-                              <a:lumMod val="50000"/>
-                            </a:schemeClr>
-                          </a:solidFill>
-                        </a:rPr>
-                        <a:t> </a:t>
+                        <a:t>datastructures</a:t>
                       </a:r>
                       <a:endParaRPr lang="en-US" sz="1100" dirty="0"/>
                     </a:p>
@@ -4397,96 +4274,73 @@
                     <a:bodyPr/>
                     <a:lstStyle/>
                     <a:p>
-                      <a:endParaRPr lang="en-US" sz="1200" dirty="0"/>
-                    </a:p>
-                  </a:txBody>
-                  <a:tcPr/>
-                </a:tc>
-                <a:extLst>
-                  <a:ext uri="{0D108BD9-81ED-4DB2-BD59-A6C34878D82A}">
-                    <a16:rowId xmlns:a16="http://schemas.microsoft.com/office/drawing/2014/main" val="2966994156"/>
-                  </a:ext>
-                </a:extLst>
-              </a:tr>
-              <a:tr h="261404">
-                <a:tc gridSpan="3">
-                  <a:txBody>
-                    <a:bodyPr/>
-                    <a:lstStyle/>
-                    <a:p>
-                      <a:r>
-                        <a:rPr lang="en-US" sz="1100" dirty="0"/>
-                        <a:t># </a:t>
-                      </a:r>
-                      <a:r>
-                        <a:rPr lang="en-US" sz="1100" b="1" dirty="0"/>
-                        <a:t>Inspect</a:t>
-                      </a:r>
-                      <a:r>
-                        <a:rPr lang="en-US" sz="1100" dirty="0"/>
-                        <a:t> the </a:t>
+                      <a:r>
+                        <a:rPr lang="en-US" sz="1100" dirty="0"/>
+                        <a:t>df = </a:t>
                       </a:r>
                       <a:r>
                         <a:rPr lang="en-US" sz="1100" dirty="0" err="1"/>
-                        <a:t>dataframe</a:t>
-                      </a:r>
-                      <a:endParaRPr lang="en-US" sz="1100" dirty="0"/>
-                    </a:p>
-                  </a:txBody>
-                  <a:tcPr/>
-                </a:tc>
-                <a:tc hMerge="1">
-                  <a:txBody>
-                    <a:bodyPr/>
-                    <a:lstStyle/>
-                    <a:p>
-                      <a:endParaRPr lang="en-US" sz="1600" dirty="0"/>
-                    </a:p>
-                  </a:txBody>
-                  <a:tcPr/>
-                </a:tc>
-                <a:tc hMerge="1">
-                  <a:txBody>
-                    <a:bodyPr/>
-                    <a:lstStyle/>
-                    <a:p>
-                      <a:endParaRPr lang="en-US" dirty="0"/>
-                    </a:p>
-                  </a:txBody>
-                  <a:tcPr/>
-                </a:tc>
-                <a:extLst>
-                  <a:ext uri="{0D108BD9-81ED-4DB2-BD59-A6C34878D82A}">
-                    <a16:rowId xmlns:a16="http://schemas.microsoft.com/office/drawing/2014/main" val="3693112010"/>
-                  </a:ext>
-                </a:extLst>
-              </a:tr>
-              <a:tr h="599691">
-                <a:tc>
-                  <a:txBody>
-                    <a:bodyPr/>
-                    <a:lstStyle/>
-                    <a:p>
-                      <a:r>
-                        <a:rPr lang="en-US" sz="1100" dirty="0"/>
-                        <a:t>Snapshot of the </a:t>
+                        <a:t>pandas.read_csv</a:t>
+                      </a:r>
+                      <a:r>
+                        <a:rPr lang="en-US" sz="1100" dirty="0"/>
+                        <a:t>(’/path/to/</a:t>
                       </a:r>
                       <a:r>
                         <a:rPr lang="en-US" sz="1100" dirty="0" err="1"/>
-                        <a:t>dataframe</a:t>
-                      </a:r>
-                      <a:r>
-                        <a:rPr lang="en-US" sz="1100" dirty="0"/>
-                        <a:t> structures, features, etc.</a:t>
-                      </a:r>
-                    </a:p>
-                  </a:txBody>
-                  <a:tcPr/>
-                </a:tc>
-                <a:tc>
-                  <a:txBody>
-                    <a:bodyPr/>
-                    <a:lstStyle/>
+                        <a:t>file.csv</a:t>
+                      </a:r>
+                      <a:r>
+                        <a:rPr lang="en-US" sz="1100" dirty="0"/>
+                        <a:t>’, </a:t>
+                      </a:r>
+                      <a:r>
+                        <a:rPr lang="en-US" sz="1100" dirty="0" err="1"/>
+                        <a:t>sep</a:t>
+                      </a:r>
+                      <a:r>
+                        <a:rPr lang="en-US" sz="1100" dirty="0"/>
+                        <a:t>=‘,’)</a:t>
+                      </a:r>
+                    </a:p>
+                    <a:p>
+                      <a:r>
+                        <a:rPr lang="en-US" sz="1100" dirty="0"/>
+                        <a:t>df = </a:t>
+                      </a:r>
+                      <a:r>
+                        <a:rPr lang="en-US" sz="1100" dirty="0" err="1"/>
+                        <a:t>pandas.read_excel</a:t>
+                      </a:r>
+                      <a:r>
+                        <a:rPr lang="en-US" sz="1100" dirty="0"/>
+                        <a:t>(‘/path/to/</a:t>
+                      </a:r>
+                      <a:r>
+                        <a:rPr lang="en-US" sz="1100" dirty="0" err="1"/>
+                        <a:t>file.xlsx</a:t>
+                      </a:r>
+                      <a:r>
+                        <a:rPr lang="en-US" sz="1100" dirty="0"/>
+                        <a:t>’, </a:t>
+                      </a:r>
+                      <a:r>
+                        <a:rPr lang="en-US" sz="1100" dirty="0" err="1"/>
+                        <a:t>sheet_name</a:t>
+                      </a:r>
+                      <a:r>
+                        <a:rPr lang="en-US" sz="1100" dirty="0"/>
+                        <a:t>=‘</a:t>
+                      </a:r>
+                      <a:r>
+                        <a:rPr lang="en-US" sz="1100" dirty="0" err="1"/>
+                        <a:t>my_datasheet</a:t>
+                      </a:r>
+                      <a:r>
+                        <a:rPr lang="en-US" sz="1100" dirty="0"/>
+                        <a:t>’)</a:t>
+                      </a:r>
+                    </a:p>
                     <a:p>
                       <a:pPr marL="0" marR="0" lvl="0" indent="0" algn="l" defTabSz="914400" rtl="0" eaLnBrk="1" fontAlgn="auto" latinLnBrk="0" hangingPunct="1">
                         <a:lnSpc>
@@ -4505,198 +4359,8 @@
                         <a:tabLst/>
                         <a:defRPr/>
                       </a:pPr>
-                      <a:r>
-                        <a:rPr lang="en-US" sz="1100" i="1" dirty="0">
-                          <a:solidFill>
-                            <a:schemeClr val="bg1">
-                              <a:lumMod val="50000"/>
-                            </a:schemeClr>
-                          </a:solidFill>
-                        </a:rPr>
-                        <a:t>#</a:t>
-                      </a:r>
-                      <a:r>
-                        <a:rPr lang="en-US" sz="1100" dirty="0">
-                          <a:solidFill>
-                            <a:schemeClr val="bg1">
-                              <a:lumMod val="50000"/>
-                            </a:schemeClr>
-                          </a:solidFill>
-                        </a:rPr>
-                        <a:t> </a:t>
-                      </a:r>
-                      <a:r>
-                        <a:rPr lang="en-US" sz="1100" i="1" dirty="0">
-                          <a:solidFill>
-                            <a:schemeClr val="bg1">
-                              <a:lumMod val="50000"/>
-                            </a:schemeClr>
-                          </a:solidFill>
-                        </a:rPr>
-                        <a:t>Inspect specific column by adding column name like df[‘col1’].head()</a:t>
-                      </a:r>
-                    </a:p>
-                    <a:p>
-                      <a:r>
-                        <a:rPr lang="en-US" sz="1100" dirty="0" err="1"/>
-                        <a:t>df.head</a:t>
-                      </a:r>
-                      <a:r>
-                        <a:rPr lang="en-US" sz="1100" dirty="0"/>
-                        <a:t>(); </a:t>
-                      </a:r>
-                      <a:r>
-                        <a:rPr lang="en-US" sz="1100" dirty="0" err="1"/>
-                        <a:t>df.tail</a:t>
-                      </a:r>
-                      <a:r>
-                        <a:rPr lang="en-US" sz="1100" dirty="0"/>
-                        <a:t>(); </a:t>
-                      </a:r>
-                    </a:p>
-                    <a:p>
-                      <a:r>
-                        <a:rPr lang="en-US" sz="1100" dirty="0" err="1"/>
-                        <a:t>df.columns</a:t>
-                      </a:r>
-                      <a:r>
-                        <a:rPr lang="en-US" sz="1100" dirty="0"/>
-                        <a:t>; </a:t>
-                      </a:r>
-                      <a:r>
-                        <a:rPr lang="en-US" sz="1100" dirty="0" err="1"/>
-                        <a:t>df.shape</a:t>
-                      </a:r>
-                      <a:r>
-                        <a:rPr lang="en-US" sz="1100" dirty="0"/>
-                        <a:t>; </a:t>
-                      </a:r>
-                      <a:r>
-                        <a:rPr lang="en-US" sz="1100" dirty="0" err="1"/>
-                        <a:t>df.info</a:t>
-                      </a:r>
-                      <a:r>
-                        <a:rPr lang="en-US" sz="1100" dirty="0"/>
-                        <a:t>(); </a:t>
-                      </a:r>
-                      <a:r>
-                        <a:rPr lang="en-US" sz="1100" dirty="0" err="1"/>
-                        <a:t>df.describe</a:t>
-                      </a:r>
-                      <a:r>
-                        <a:rPr lang="en-US" sz="1100" dirty="0"/>
-                        <a:t>(); </a:t>
-                      </a:r>
-                      <a:r>
-                        <a:rPr lang="en-US" sz="1100" dirty="0" err="1"/>
-                        <a:t>df.nunique</a:t>
-                      </a:r>
-                      <a:r>
-                        <a:rPr lang="en-US" sz="1100" dirty="0"/>
-                        <a:t>(); type(df) </a:t>
-                      </a:r>
-                    </a:p>
-                  </a:txBody>
-                  <a:tcPr/>
-                </a:tc>
-                <a:tc>
-                  <a:txBody>
-                    <a:bodyPr/>
-                    <a:lstStyle/>
-                    <a:p>
-                      <a:endParaRPr lang="en-US" sz="1200" dirty="0"/>
-                    </a:p>
-                  </a:txBody>
-                  <a:tcPr/>
-                </a:tc>
-                <a:extLst>
-                  <a:ext uri="{0D108BD9-81ED-4DB2-BD59-A6C34878D82A}">
-                    <a16:rowId xmlns:a16="http://schemas.microsoft.com/office/drawing/2014/main" val="540375531"/>
-                  </a:ext>
-                </a:extLst>
-              </a:tr>
-              <a:tr h="261404">
-                <a:tc gridSpan="3">
-                  <a:txBody>
-                    <a:bodyPr/>
-                    <a:lstStyle/>
-                    <a:p>
-                      <a:r>
-                        <a:rPr lang="en-US" sz="1100" dirty="0"/>
-                        <a:t># </a:t>
-                      </a:r>
-                      <a:r>
-                        <a:rPr lang="en-US" sz="1100" b="1" dirty="0"/>
-                        <a:t>Cleaning</a:t>
-                      </a:r>
-                      <a:r>
-                        <a:rPr lang="en-US" sz="1100" dirty="0"/>
-                        <a:t> data</a:t>
-                      </a:r>
-                    </a:p>
-                  </a:txBody>
-                  <a:tcPr/>
-                </a:tc>
-                <a:tc hMerge="1">
-                  <a:txBody>
-                    <a:bodyPr/>
-                    <a:lstStyle/>
-                    <a:p>
-                      <a:endParaRPr lang="en-US" sz="1600" dirty="0"/>
-                    </a:p>
-                  </a:txBody>
-                  <a:tcPr/>
-                </a:tc>
-                <a:tc hMerge="1">
-                  <a:txBody>
-                    <a:bodyPr/>
-                    <a:lstStyle/>
-                    <a:p>
-                      <a:endParaRPr lang="en-US" dirty="0"/>
-                    </a:p>
-                  </a:txBody>
-                  <a:tcPr/>
-                </a:tc>
-                <a:extLst>
-                  <a:ext uri="{0D108BD9-81ED-4DB2-BD59-A6C34878D82A}">
-                    <a16:rowId xmlns:a16="http://schemas.microsoft.com/office/drawing/2014/main" val="34924279"/>
-                  </a:ext>
-                </a:extLst>
-              </a:tr>
-              <a:tr h="768834">
-                <a:tc>
-                  <a:txBody>
-                    <a:bodyPr/>
-                    <a:lstStyle/>
-                    <a:p>
-                      <a:endParaRPr lang="en-US" sz="1100"/>
-                    </a:p>
-                    <a:p>
-                      <a:r>
-                        <a:rPr lang="en-US" sz="1100"/>
-                        <a:t>Drop columns</a:t>
-                      </a:r>
-                    </a:p>
-                    <a:p>
-                      <a:r>
-                        <a:rPr lang="en-US" sz="1100"/>
-                        <a:t>Drop missing values</a:t>
-                      </a:r>
-                    </a:p>
-                    <a:p>
-                      <a:r>
-                        <a:rPr lang="en-US" sz="1100"/>
-                        <a:t>Alter column datatype</a:t>
-                      </a:r>
                       <a:endParaRPr lang="en-US" sz="1100" dirty="0"/>
                     </a:p>
-                  </a:txBody>
-                  <a:tcPr/>
-                </a:tc>
-                <a:tc>
-                  <a:txBody>
-                    <a:bodyPr/>
-                    <a:lstStyle/>
                     <a:p>
                       <a:pPr marL="0" marR="0" lvl="0" indent="0" algn="l" defTabSz="914400" rtl="0" eaLnBrk="1" fontAlgn="auto" latinLnBrk="0" hangingPunct="1">
                         <a:lnSpc>
@@ -4716,173 +4380,29 @@
                         <a:defRPr/>
                       </a:pPr>
                       <a:r>
-                        <a:rPr lang="en-US" sz="1100" i="1" dirty="0">
-                          <a:solidFill>
-                            <a:schemeClr val="bg1">
-                              <a:lumMod val="50000"/>
-                            </a:schemeClr>
-                          </a:solidFill>
-                        </a:rPr>
-                        <a:t># df = </a:t>
-                      </a:r>
-                      <a:r>
-                        <a:rPr lang="en-US" sz="1100" i="1" dirty="0" err="1">
-                          <a:solidFill>
-                            <a:schemeClr val="bg1">
-                              <a:lumMod val="50000"/>
-                            </a:schemeClr>
-                          </a:solidFill>
-                        </a:rPr>
-                        <a:t>df.SomeMethod</a:t>
-                      </a:r>
-                      <a:r>
-                        <a:rPr lang="en-US" sz="1100" i="1" dirty="0">
-                          <a:solidFill>
-                            <a:schemeClr val="bg1">
-                              <a:lumMod val="50000"/>
-                            </a:schemeClr>
-                          </a:solidFill>
-                        </a:rPr>
-                        <a:t>(</a:t>
-                      </a:r>
-                      <a:r>
-                        <a:rPr lang="en-US" sz="1100" i="1" dirty="0" err="1">
-                          <a:solidFill>
-                            <a:schemeClr val="bg1">
-                              <a:lumMod val="50000"/>
-                            </a:schemeClr>
-                          </a:solidFill>
-                        </a:rPr>
-                        <a:t>arg</a:t>
-                      </a:r>
-                      <a:r>
-                        <a:rPr lang="en-US" sz="1100" i="1" dirty="0">
-                          <a:solidFill>
-                            <a:schemeClr val="bg1">
-                              <a:lumMod val="50000"/>
-                            </a:schemeClr>
-                          </a:solidFill>
-                        </a:rPr>
-                        <a:t>) same as </a:t>
-                      </a:r>
-                      <a:r>
-                        <a:rPr lang="en-US" sz="1100" i="1" dirty="0" err="1">
-                          <a:solidFill>
-                            <a:schemeClr val="bg1">
-                              <a:lumMod val="50000"/>
-                            </a:schemeClr>
-                          </a:solidFill>
-                        </a:rPr>
-                        <a:t>df.SomeMethod</a:t>
-                      </a:r>
-                      <a:r>
-                        <a:rPr lang="en-US" sz="1100" i="1" dirty="0">
-                          <a:solidFill>
-                            <a:schemeClr val="bg1">
-                              <a:lumMod val="50000"/>
-                            </a:schemeClr>
-                          </a:solidFill>
-                        </a:rPr>
-                        <a:t>(</a:t>
-                      </a:r>
-                      <a:r>
-                        <a:rPr lang="en-US" sz="1100" i="1" dirty="0" err="1">
-                          <a:solidFill>
-                            <a:schemeClr val="bg1">
-                              <a:lumMod val="50000"/>
-                            </a:schemeClr>
-                          </a:solidFill>
-                        </a:rPr>
-                        <a:t>arg</a:t>
-                      </a:r>
-                      <a:r>
-                        <a:rPr lang="en-US" sz="1100" i="1" dirty="0">
-                          <a:solidFill>
-                            <a:schemeClr val="bg1">
-                              <a:lumMod val="50000"/>
-                            </a:schemeClr>
-                          </a:solidFill>
-                        </a:rPr>
-                        <a:t>, </a:t>
-                      </a:r>
-                      <a:r>
-                        <a:rPr lang="en-US" sz="1100" i="1" dirty="0" err="1">
-                          <a:solidFill>
-                            <a:schemeClr val="bg1">
-                              <a:lumMod val="50000"/>
-                            </a:schemeClr>
-                          </a:solidFill>
-                        </a:rPr>
-                        <a:t>inplace</a:t>
-                      </a:r>
-                      <a:r>
-                        <a:rPr lang="en-US" sz="1100" i="1" dirty="0">
-                          <a:solidFill>
-                            <a:schemeClr val="bg1">
-                              <a:lumMod val="50000"/>
-                            </a:schemeClr>
-                          </a:solidFill>
-                        </a:rPr>
-                        <a:t>=True)</a:t>
-                      </a:r>
-                    </a:p>
-                    <a:p>
-                      <a:pPr marL="0" marR="0" lvl="0" indent="0" algn="l" defTabSz="914400" rtl="0" eaLnBrk="1" fontAlgn="auto" latinLnBrk="0" hangingPunct="1">
-                        <a:lnSpc>
-                          <a:spcPct val="100000"/>
-                        </a:lnSpc>
-                        <a:spcBef>
-                          <a:spcPts val="0"/>
-                        </a:spcBef>
-                        <a:spcAft>
-                          <a:spcPts val="0"/>
-                        </a:spcAft>
-                        <a:buClrTx/>
-                        <a:buSzTx/>
-                        <a:buFontTx/>
-                        <a:buNone/>
-                        <a:tabLst/>
-                        <a:defRPr/>
-                      </a:pPr>
+                        <a:rPr lang="en-US" sz="1100" dirty="0"/>
+                        <a:t>dict1 = {‘name’:[‘John’, ‘Larry’, ‘Chris’], ‘age’:[24, 23, 26]} </a:t>
+                      </a:r>
+                      <a:endParaRPr lang="en-US" sz="1100" baseline="30000" dirty="0">
+                        <a:solidFill>
+                          <a:schemeClr val="bg1">
+                            <a:lumMod val="50000"/>
+                          </a:schemeClr>
+                        </a:solidFill>
+                      </a:endParaRPr>
+                    </a:p>
+                    <a:p>
                       <a:r>
                         <a:rPr lang="en-US" sz="1100" dirty="0"/>
                         <a:t>df = </a:t>
                       </a:r>
                       <a:r>
                         <a:rPr lang="en-US" sz="1100" dirty="0" err="1"/>
-                        <a:t>df.drop</a:t>
-                      </a:r>
-                      <a:r>
-                        <a:rPr lang="en-US" sz="1100" dirty="0"/>
-                        <a:t>(columns=[‘name’, ‘age’])</a:t>
-                      </a:r>
-                    </a:p>
-                    <a:p>
-                      <a:r>
-                        <a:rPr lang="en-US" sz="1100" dirty="0"/>
-                        <a:t>df = </a:t>
-                      </a:r>
-                      <a:r>
-                        <a:rPr lang="en-US" sz="1100" dirty="0" err="1"/>
-                        <a:t>df.dropna</a:t>
-                      </a:r>
-                      <a:r>
-                        <a:rPr lang="en-US" sz="1100" dirty="0"/>
-                        <a:t>()</a:t>
-                      </a:r>
-                    </a:p>
-                    <a:p>
-                      <a:r>
-                        <a:rPr lang="en-US" sz="1100" dirty="0"/>
-                        <a:t>df[‘age’] = df[‘age’].</a:t>
-                      </a:r>
-                      <a:r>
-                        <a:rPr lang="en-US" sz="1100" dirty="0" err="1"/>
-                        <a:t>astype</a:t>
-                      </a:r>
-                      <a:r>
-                        <a:rPr lang="en-US" sz="1100" dirty="0"/>
-                        <a:t>(str)</a:t>
+                        <a:t>pandas.DataFrame</a:t>
+                      </a:r>
+                      <a:r>
+                        <a:rPr lang="en-US" sz="1100" dirty="0"/>
+                        <a:t>(dict1)</a:t>
                       </a:r>
                       <a:r>
                         <a:rPr lang="en-US" sz="1100" baseline="30000" dirty="0">
@@ -4904,410 +4424,149 @@
                     <a:bodyPr/>
                     <a:lstStyle/>
                     <a:p>
-                      <a:endParaRPr lang="en-US" sz="1200" dirty="0"/>
-                    </a:p>
-                  </a:txBody>
-                  <a:tcPr/>
-                </a:tc>
-                <a:extLst>
-                  <a:ext uri="{0D108BD9-81ED-4DB2-BD59-A6C34878D82A}">
-                    <a16:rowId xmlns:a16="http://schemas.microsoft.com/office/drawing/2014/main" val="3351207753"/>
-                  </a:ext>
-                </a:extLst>
-              </a:tr>
-              <a:tr h="261404">
-                <a:tc gridSpan="3">
-                  <a:txBody>
-                    <a:bodyPr/>
-                    <a:lstStyle/>
-                    <a:p>
-                      <a:pPr marL="0" marR="0" lvl="0" indent="0" algn="l" defTabSz="914400" rtl="0" eaLnBrk="1" fontAlgn="auto" latinLnBrk="0" hangingPunct="1">
-                        <a:lnSpc>
-                          <a:spcPct val="100000"/>
-                        </a:lnSpc>
-                        <a:spcBef>
-                          <a:spcPts val="0"/>
-                        </a:spcBef>
-                        <a:spcAft>
-                          <a:spcPts val="0"/>
-                        </a:spcAft>
-                        <a:buClrTx/>
-                        <a:buSzTx/>
-                        <a:buFontTx/>
-                        <a:buNone/>
-                        <a:tabLst/>
-                        <a:defRPr/>
-                      </a:pPr>
-                      <a:r>
-                        <a:rPr lang="en-US" sz="1100" dirty="0"/>
-                        <a:t># </a:t>
-                      </a:r>
-                      <a:r>
-                        <a:rPr lang="en-US" sz="1100" b="1" dirty="0"/>
-                        <a:t>Feature-engineering</a:t>
-                      </a:r>
-                      <a:endParaRPr lang="en-US" sz="1100" dirty="0"/>
-                    </a:p>
-                  </a:txBody>
-                  <a:tcPr/>
-                </a:tc>
-                <a:tc hMerge="1">
-                  <a:txBody>
-                    <a:bodyPr/>
-                    <a:lstStyle/>
-                    <a:p>
-                      <a:endParaRPr lang="en-US" sz="1100" dirty="0"/>
-                    </a:p>
-                  </a:txBody>
-                  <a:tcPr/>
-                </a:tc>
-                <a:tc hMerge="1">
-                  <a:txBody>
-                    <a:bodyPr/>
-                    <a:lstStyle/>
-                    <a:p>
-                      <a:endParaRPr lang="en-US" sz="1200" dirty="0"/>
-                    </a:p>
-                  </a:txBody>
-                  <a:tcPr/>
-                </a:tc>
-                <a:extLst>
-                  <a:ext uri="{0D108BD9-81ED-4DB2-BD59-A6C34878D82A}">
-                    <a16:rowId xmlns:a16="http://schemas.microsoft.com/office/drawing/2014/main" val="2858986506"/>
-                  </a:ext>
-                </a:extLst>
-              </a:tr>
-              <a:tr h="937978">
-                <a:tc>
-                  <a:txBody>
-                    <a:bodyPr/>
-                    <a:lstStyle/>
-                    <a:p>
-                      <a:pPr marL="0" marR="0" lvl="0" indent="0" algn="l" defTabSz="914400" rtl="0" eaLnBrk="1" fontAlgn="auto" latinLnBrk="0" hangingPunct="1">
-                        <a:lnSpc>
-                          <a:spcPct val="100000"/>
-                        </a:lnSpc>
-                        <a:spcBef>
-                          <a:spcPts val="0"/>
-                        </a:spcBef>
-                        <a:spcAft>
-                          <a:spcPts val="0"/>
-                        </a:spcAft>
-                        <a:buClrTx/>
-                        <a:buSzTx/>
-                        <a:buFontTx/>
-                        <a:buNone/>
-                        <a:tabLst/>
-                        <a:defRPr/>
-                      </a:pPr>
-                      <a:r>
-                        <a:rPr lang="en-US" sz="1100" dirty="0"/>
-                        <a:t>Column names to list</a:t>
-                      </a:r>
-                    </a:p>
-                    <a:p>
-                      <a:pPr marL="0" marR="0" lvl="0" indent="0" algn="l" defTabSz="914400" rtl="0" eaLnBrk="1" fontAlgn="auto" latinLnBrk="0" hangingPunct="1">
-                        <a:lnSpc>
-                          <a:spcPct val="100000"/>
-                        </a:lnSpc>
-                        <a:spcBef>
-                          <a:spcPts val="0"/>
-                        </a:spcBef>
-                        <a:spcAft>
-                          <a:spcPts val="0"/>
-                        </a:spcAft>
-                        <a:buClrTx/>
-                        <a:buSzTx/>
-                        <a:buFontTx/>
-                        <a:buNone/>
-                        <a:tabLst/>
-                        <a:defRPr/>
-                      </a:pPr>
-                      <a:r>
-                        <a:rPr lang="en-US" sz="1100" dirty="0"/>
-                        <a:t>Column values to list</a:t>
-                      </a:r>
-                    </a:p>
-                    <a:p>
-                      <a:r>
-                        <a:rPr lang="en-US" sz="1100" dirty="0"/>
-                        <a:t>Filter by column value</a:t>
-                      </a:r>
-                    </a:p>
-                    <a:p>
-                      <a:r>
-                        <a:rPr lang="en-US" sz="1100" dirty="0"/>
-                        <a:t>Create new features</a:t>
-                      </a:r>
-                    </a:p>
-                  </a:txBody>
-                  <a:tcPr/>
-                </a:tc>
-                <a:tc>
-                  <a:txBody>
-                    <a:bodyPr/>
-                    <a:lstStyle/>
-                    <a:p>
-                      <a:pPr marL="0" marR="0" lvl="0" indent="0" algn="l" defTabSz="914400" rtl="0" eaLnBrk="1" fontAlgn="auto" latinLnBrk="0" hangingPunct="1">
-                        <a:lnSpc>
-                          <a:spcPct val="100000"/>
-                        </a:lnSpc>
-                        <a:spcBef>
-                          <a:spcPts val="0"/>
-                        </a:spcBef>
-                        <a:spcAft>
-                          <a:spcPts val="0"/>
-                        </a:spcAft>
-                        <a:buClrTx/>
-                        <a:buSzTx/>
-                        <a:buFontTx/>
-                        <a:buNone/>
-                        <a:tabLst/>
-                        <a:defRPr/>
-                      </a:pPr>
+                      <a:r>
+                        <a:rPr lang="en-IN" sz="1100" kern="1200" dirty="0">
+                          <a:solidFill>
+                            <a:schemeClr val="tx1"/>
+                          </a:solidFill>
+                          <a:latin typeface="+mn-lt"/>
+                          <a:ea typeface="+mn-ea"/>
+                          <a:cs typeface="+mn-cs"/>
+                        </a:rPr>
+                        <a:t>df &lt;- </a:t>
+                      </a:r>
+                      <a:r>
+                        <a:rPr lang="en-IN" sz="1100" kern="1200" dirty="0" err="1">
+                          <a:solidFill>
+                            <a:schemeClr val="tx1"/>
+                          </a:solidFill>
+                          <a:latin typeface="+mn-lt"/>
+                          <a:ea typeface="+mn-ea"/>
+                          <a:cs typeface="+mn-cs"/>
+                        </a:rPr>
+                        <a:t>read.csv</a:t>
+                      </a:r>
+                      <a:r>
+                        <a:rPr lang="en-IN" sz="1100" kern="1200" dirty="0">
+                          <a:solidFill>
+                            <a:schemeClr val="tx1"/>
+                          </a:solidFill>
+                          <a:latin typeface="+mn-lt"/>
+                          <a:ea typeface="+mn-ea"/>
+                          <a:cs typeface="+mn-cs"/>
+                        </a:rPr>
+                        <a:t>(</a:t>
+                      </a:r>
+                      <a:r>
+                        <a:rPr lang="en-US" sz="1100" dirty="0"/>
+                        <a:t>’/path/to/</a:t>
+                      </a:r>
                       <a:r>
                         <a:rPr lang="en-US" sz="1100" dirty="0" err="1"/>
-                        <a:t>col_ls</a:t>
-                      </a:r>
-                      <a:r>
-                        <a:rPr lang="en-US" sz="1100" dirty="0"/>
-                        <a:t> = </a:t>
+                        <a:t>file.csv</a:t>
+                      </a:r>
+                      <a:r>
+                        <a:rPr lang="en-IN" sz="1100" kern="1200" dirty="0">
+                          <a:solidFill>
+                            <a:schemeClr val="tx1"/>
+                          </a:solidFill>
+                          <a:latin typeface="+mn-lt"/>
+                          <a:ea typeface="+mn-ea"/>
+                          <a:cs typeface="+mn-cs"/>
+                        </a:rPr>
+                        <a:t>'</a:t>
+                      </a:r>
+                      <a:r>
+                        <a:rPr lang="en-IN" sz="1100" dirty="0"/>
+                        <a:t>, </a:t>
+                      </a:r>
+                      <a:r>
+                        <a:rPr lang="en-IN" sz="1100" dirty="0" err="1"/>
+                        <a:t>sep</a:t>
+                      </a:r>
+                      <a:r>
+                        <a:rPr lang="en-IN" sz="1100" dirty="0"/>
+                        <a:t>=‘,’</a:t>
+                      </a:r>
+                      <a:r>
+                        <a:rPr lang="en-IN" sz="1100" kern="1200" dirty="0">
+                          <a:solidFill>
+                            <a:schemeClr val="tx1"/>
+                          </a:solidFill>
+                          <a:latin typeface="+mn-lt"/>
+                          <a:ea typeface="+mn-ea"/>
+                          <a:cs typeface="+mn-cs"/>
+                        </a:rPr>
+                        <a:t>)</a:t>
+                      </a:r>
+                    </a:p>
+                    <a:p>
+                      <a:r>
+                        <a:rPr lang="en-IN" sz="1100" kern="1200" dirty="0">
+                          <a:solidFill>
+                            <a:schemeClr val="tx1"/>
+                          </a:solidFill>
+                          <a:latin typeface="+mn-lt"/>
+                          <a:ea typeface="+mn-ea"/>
+                          <a:cs typeface="+mn-cs"/>
+                        </a:rPr>
+                        <a:t>df &lt;- </a:t>
+                      </a:r>
+                      <a:r>
+                        <a:rPr lang="en-IN" sz="1100" kern="1200" dirty="0" err="1">
+                          <a:solidFill>
+                            <a:schemeClr val="tx1"/>
+                          </a:solidFill>
+                          <a:latin typeface="+mn-lt"/>
+                          <a:ea typeface="+mn-ea"/>
+                          <a:cs typeface="+mn-cs"/>
+                        </a:rPr>
+                        <a:t>read_excel</a:t>
+                      </a:r>
+                      <a:r>
+                        <a:rPr lang="en-IN" sz="1100" kern="1200" dirty="0">
+                          <a:solidFill>
+                            <a:schemeClr val="tx1"/>
+                          </a:solidFill>
+                          <a:latin typeface="+mn-lt"/>
+                          <a:ea typeface="+mn-ea"/>
+                          <a:cs typeface="+mn-cs"/>
+                        </a:rPr>
+                        <a:t>(‘/path/to/</a:t>
+                      </a:r>
+                      <a:r>
+                        <a:rPr lang="en-IN" sz="1100" kern="1200" dirty="0" err="1">
+                          <a:solidFill>
+                            <a:schemeClr val="tx1"/>
+                          </a:solidFill>
+                          <a:latin typeface="+mn-lt"/>
+                          <a:ea typeface="+mn-ea"/>
+                          <a:cs typeface="+mn-cs"/>
+                        </a:rPr>
+                        <a:t>file.xlsx</a:t>
+                      </a:r>
+                      <a:r>
+                        <a:rPr lang="en-IN" sz="1100" kern="1200" dirty="0">
+                          <a:solidFill>
+                            <a:schemeClr val="tx1"/>
+                          </a:solidFill>
+                          <a:latin typeface="+mn-lt"/>
+                          <a:ea typeface="+mn-ea"/>
+                          <a:cs typeface="+mn-cs"/>
+                        </a:rPr>
+                        <a:t>’, sheet</a:t>
+                      </a:r>
+                      <a:r>
+                        <a:rPr lang="en-US" sz="1100" dirty="0"/>
+                        <a:t>=‘</a:t>
                       </a:r>
                       <a:r>
                         <a:rPr lang="en-US" sz="1100" dirty="0" err="1"/>
-                        <a:t>df.columns.tolist</a:t>
-                      </a:r>
-                      <a:r>
-                        <a:rPr lang="en-US" sz="1100" dirty="0"/>
-                        <a:t>()</a:t>
-                      </a:r>
-                    </a:p>
-                    <a:p>
-                      <a:pPr marL="0" marR="0" lvl="0" indent="0" algn="l" defTabSz="914400" rtl="0" eaLnBrk="1" fontAlgn="auto" latinLnBrk="0" hangingPunct="1">
-                        <a:lnSpc>
-                          <a:spcPct val="100000"/>
-                        </a:lnSpc>
-                        <a:spcBef>
-                          <a:spcPts val="0"/>
-                        </a:spcBef>
-                        <a:spcAft>
-                          <a:spcPts val="0"/>
-                        </a:spcAft>
-                        <a:buClrTx/>
-                        <a:buSzTx/>
-                        <a:buFontTx/>
-                        <a:buNone/>
-                        <a:tabLst/>
-                        <a:defRPr/>
-                      </a:pPr>
-                      <a:r>
-                        <a:rPr lang="en-US" sz="1100" dirty="0" err="1"/>
-                        <a:t>name_ls</a:t>
-                      </a:r>
-                      <a:r>
-                        <a:rPr lang="en-US" sz="1100" dirty="0"/>
-                        <a:t> = df[‘name’].unique().</a:t>
-                      </a:r>
-                      <a:r>
-                        <a:rPr lang="en-US" sz="1100" dirty="0" err="1"/>
-                        <a:t>tolist</a:t>
-                      </a:r>
-                      <a:r>
-                        <a:rPr lang="en-US" sz="1100" dirty="0"/>
-                        <a:t>()</a:t>
-                      </a:r>
-                    </a:p>
-                    <a:p>
-                      <a:r>
-                        <a:rPr lang="en-US" sz="1100" dirty="0"/>
-                        <a:t>df = df[df[‘name’ == ‘ Larry’]</a:t>
-                      </a:r>
-                    </a:p>
-                    <a:p>
-                      <a:r>
-                        <a:rPr lang="en-US" sz="1100" dirty="0"/>
-                        <a:t>df[‘Sex’] = [‘M’,  ‘F’,  ‘M’] </a:t>
-                      </a:r>
-                    </a:p>
-                    <a:p>
-                      <a:r>
-                        <a:rPr lang="en-US" sz="1100" dirty="0"/>
-                        <a:t>df[‘</a:t>
-                      </a:r>
-                      <a:r>
-                        <a:rPr lang="en-US" sz="1100" dirty="0" err="1"/>
-                        <a:t>name_lower</a:t>
-                      </a:r>
-                      <a:r>
-                        <a:rPr lang="en-US" sz="1100" dirty="0"/>
-                        <a:t>’] = df[‘name'].apply(lambda x: ‘ ‘.join(</a:t>
-                      </a:r>
-                      <a:r>
-                        <a:rPr lang="en-US" sz="1100" dirty="0" err="1"/>
-                        <a:t>x.lower</a:t>
-                      </a:r>
-                      <a:r>
-                        <a:rPr lang="en-US" sz="1100" dirty="0"/>
-                        <a:t>() for x in </a:t>
-                      </a:r>
-                      <a:r>
-                        <a:rPr lang="en-US" sz="1100" dirty="0" err="1"/>
-                        <a:t>x.split</a:t>
-                      </a:r>
-                      <a:r>
-                        <a:rPr lang="en-US" sz="1100" dirty="0"/>
-                        <a:t>()))</a:t>
-                      </a:r>
-                      <a:r>
-                        <a:rPr lang="en-US" sz="1100" baseline="30000" dirty="0">
-                          <a:solidFill>
-                            <a:schemeClr val="bg1">
-                              <a:lumMod val="50000"/>
-                            </a:schemeClr>
-                          </a:solidFill>
-                        </a:rPr>
-                        <a:t> </a:t>
-                      </a:r>
-                      <a:r>
-                        <a:rPr lang="en-US" sz="1100" baseline="30000" dirty="0">
-                          <a:solidFill>
-                            <a:schemeClr val="bg1">
-                              <a:lumMod val="50000"/>
-                            </a:schemeClr>
-                          </a:solidFill>
-                          <a:hlinkClick r:id="rId3" action="ppaction://hlinksldjump"/>
-                        </a:rPr>
-                        <a:t>[1]</a:t>
-                      </a:r>
-                      <a:endParaRPr lang="en-US" sz="1100" i="1" dirty="0">
-                        <a:solidFill>
-                          <a:schemeClr val="bg1">
-                            <a:lumMod val="50000"/>
-                          </a:schemeClr>
-                        </a:solidFill>
-                      </a:endParaRPr>
-                    </a:p>
-                  </a:txBody>
-                  <a:tcPr/>
-                </a:tc>
-                <a:tc>
-                  <a:txBody>
-                    <a:bodyPr/>
-                    <a:lstStyle/>
-                    <a:p>
-                      <a:endParaRPr lang="en-US" sz="1200" dirty="0"/>
-                    </a:p>
-                  </a:txBody>
-                  <a:tcPr/>
-                </a:tc>
-                <a:extLst>
-                  <a:ext uri="{0D108BD9-81ED-4DB2-BD59-A6C34878D82A}">
-                    <a16:rowId xmlns:a16="http://schemas.microsoft.com/office/drawing/2014/main" val="2843776122"/>
-                  </a:ext>
-                </a:extLst>
-              </a:tr>
-              <a:tr h="261404">
-                <a:tc gridSpan="3">
-                  <a:txBody>
-                    <a:bodyPr/>
-                    <a:lstStyle/>
-                    <a:p>
-                      <a:r>
-                        <a:rPr lang="en-US" sz="1100" dirty="0"/>
-                        <a:t># </a:t>
-                      </a:r>
-                      <a:r>
-                        <a:rPr lang="en-US" sz="1100" b="1" dirty="0"/>
-                        <a:t>Visualize</a:t>
-                      </a:r>
-                    </a:p>
-                  </a:txBody>
-                  <a:tcPr/>
-                </a:tc>
-                <a:tc hMerge="1">
-                  <a:txBody>
-                    <a:bodyPr/>
-                    <a:lstStyle/>
-                    <a:p>
-                      <a:endParaRPr lang="en-US" sz="1100" i="1" dirty="0">
-                        <a:solidFill>
-                          <a:schemeClr val="bg1">
-                            <a:lumMod val="50000"/>
-                          </a:schemeClr>
-                        </a:solidFill>
-                      </a:endParaRPr>
-                    </a:p>
-                  </a:txBody>
-                  <a:tcPr/>
-                </a:tc>
-                <a:tc hMerge="1">
-                  <a:txBody>
-                    <a:bodyPr/>
-                    <a:lstStyle/>
-                    <a:p>
-                      <a:endParaRPr lang="en-US" sz="1200" dirty="0"/>
-                    </a:p>
-                  </a:txBody>
-                  <a:tcPr/>
-                </a:tc>
-                <a:extLst>
-                  <a:ext uri="{0D108BD9-81ED-4DB2-BD59-A6C34878D82A}">
-                    <a16:rowId xmlns:a16="http://schemas.microsoft.com/office/drawing/2014/main" val="947560273"/>
-                  </a:ext>
-                </a:extLst>
-              </a:tr>
-              <a:tr h="430547">
-                <a:tc>
-                  <a:txBody>
-                    <a:bodyPr/>
-                    <a:lstStyle/>
-                    <a:p>
-                      <a:r>
-                        <a:rPr lang="en-US" sz="1100" dirty="0"/>
-                        <a:t>Unique items count (df)</a:t>
-                      </a:r>
-                    </a:p>
-                    <a:p>
-                      <a:r>
-                        <a:rPr lang="en-US" sz="1100" dirty="0"/>
-                        <a:t>Count of items (col)</a:t>
-                      </a:r>
-                    </a:p>
-                  </a:txBody>
-                  <a:tcPr/>
-                </a:tc>
-                <a:tc>
-                  <a:txBody>
-                    <a:bodyPr/>
-                    <a:lstStyle/>
-                    <a:p>
-                      <a:pPr marL="0" marR="0" lvl="0" indent="0" algn="l" defTabSz="914400" rtl="0" eaLnBrk="1" fontAlgn="auto" latinLnBrk="0" hangingPunct="1">
-                        <a:lnSpc>
-                          <a:spcPct val="100000"/>
-                        </a:lnSpc>
-                        <a:spcBef>
-                          <a:spcPts val="0"/>
-                        </a:spcBef>
-                        <a:spcAft>
-                          <a:spcPts val="0"/>
-                        </a:spcAft>
-                        <a:buClrTx/>
-                        <a:buSzTx/>
-                        <a:buFontTx/>
-                        <a:buNone/>
-                        <a:tabLst/>
-                        <a:defRPr/>
-                      </a:pPr>
-                      <a:r>
-                        <a:rPr lang="en-IN" sz="1100" kern="1200" dirty="0" err="1">
-                          <a:solidFill>
-                            <a:schemeClr val="tx1"/>
-                          </a:solidFill>
-                          <a:latin typeface="+mn-lt"/>
-                          <a:ea typeface="+mn-ea"/>
-                          <a:cs typeface="+mn-cs"/>
-                        </a:rPr>
-                        <a:t>df.nunique</a:t>
+                        <a:t>my_datasheet</a:t>
+                      </a:r>
+                      <a:r>
+                        <a:rPr lang="en-US" sz="1100" dirty="0"/>
+                        <a:t>’</a:t>
                       </a:r>
                       <a:r>
                         <a:rPr lang="en-IN" sz="1100" kern="1200" dirty="0">
@@ -5318,215 +4577,9 @@
                           <a:ea typeface="+mn-ea"/>
                           <a:cs typeface="+mn-cs"/>
                         </a:rPr>
-                        <a:t>().</a:t>
-                      </a:r>
-                      <a:r>
-                        <a:rPr lang="en-IN" sz="1100" kern="1200" dirty="0" err="1">
-                          <a:solidFill>
-                            <a:schemeClr val="tx1"/>
-                          </a:solidFill>
-                          <a:latin typeface="+mn-lt"/>
-                          <a:ea typeface="+mn-ea"/>
-                          <a:cs typeface="+mn-cs"/>
-                        </a:rPr>
-                        <a:t>plot.bar</a:t>
-                      </a:r>
-                      <a:r>
-                        <a:rPr lang="en-IN" sz="1100" kern="1200" dirty="0">
-                          <a:solidFill>
-                            <a:schemeClr val="tx1"/>
-                          </a:solidFill>
-                          <a:latin typeface="+mn-lt"/>
-                          <a:ea typeface="+mn-ea"/>
-                          <a:cs typeface="+mn-cs"/>
-                        </a:rPr>
-                        <a:t>(rot = 0)</a:t>
-                      </a:r>
-                      <a:r>
-                        <a:rPr lang="en-US" sz="1100" baseline="30000" dirty="0">
-                          <a:solidFill>
-                            <a:schemeClr val="bg1">
-                              <a:lumMod val="50000"/>
-                            </a:schemeClr>
-                          </a:solidFill>
-                        </a:rPr>
-                        <a:t> </a:t>
-                      </a:r>
-                      <a:r>
-                        <a:rPr lang="en-US" sz="1100" baseline="30000" dirty="0">
-                          <a:solidFill>
-                            <a:schemeClr val="bg1">
-                              <a:lumMod val="50000"/>
-                            </a:schemeClr>
-                          </a:solidFill>
-                          <a:hlinkClick r:id="rId3" action="ppaction://hlinksldjump"/>
-                        </a:rPr>
-                        <a:t>[2]</a:t>
-                      </a:r>
-                      <a:endParaRPr lang="en-IN" sz="1100" kern="1200" dirty="0">
-                        <a:solidFill>
-                          <a:schemeClr val="tx1"/>
-                        </a:solidFill>
-                        <a:latin typeface="+mn-lt"/>
-                        <a:ea typeface="+mn-ea"/>
-                        <a:cs typeface="+mn-cs"/>
-                      </a:endParaRPr>
-                    </a:p>
-                    <a:p>
-                      <a:pPr marL="0" marR="0" lvl="0" indent="0" algn="l" defTabSz="914400" rtl="0" eaLnBrk="1" fontAlgn="auto" latinLnBrk="0" hangingPunct="1">
-                        <a:lnSpc>
-                          <a:spcPct val="100000"/>
-                        </a:lnSpc>
-                        <a:spcBef>
-                          <a:spcPts val="0"/>
-                        </a:spcBef>
-                        <a:spcAft>
-                          <a:spcPts val="0"/>
-                        </a:spcAft>
-                        <a:buClrTx/>
-                        <a:buSzTx/>
-                        <a:buFontTx/>
-                        <a:buNone/>
-                        <a:tabLst/>
-                        <a:defRPr/>
-                      </a:pPr>
-                      <a:r>
-                        <a:rPr lang="en-IN" sz="1100" kern="1200" dirty="0" err="1">
-                          <a:solidFill>
-                            <a:schemeClr val="tx1"/>
-                          </a:solidFill>
-                          <a:latin typeface="+mn-lt"/>
-                          <a:ea typeface="+mn-ea"/>
-                          <a:cs typeface="+mn-cs"/>
-                        </a:rPr>
-                        <a:t>ax</a:t>
-                      </a:r>
-                      <a:r>
-                        <a:rPr lang="en-IN" sz="1100" kern="1200" dirty="0">
-                          <a:solidFill>
-                            <a:schemeClr val="tx1"/>
-                          </a:solidFill>
-                          <a:latin typeface="+mn-lt"/>
-                          <a:ea typeface="+mn-ea"/>
-                          <a:cs typeface="+mn-cs"/>
-                        </a:rPr>
-                        <a:t> = </a:t>
-                      </a:r>
-                      <a:r>
-                        <a:rPr lang="en-IN" sz="1100" kern="1200" dirty="0" err="1">
-                          <a:solidFill>
-                            <a:schemeClr val="tx1"/>
-                          </a:solidFill>
-                          <a:latin typeface="+mn-lt"/>
-                          <a:ea typeface="+mn-ea"/>
-                          <a:cs typeface="+mn-cs"/>
-                        </a:rPr>
-                        <a:t>seaborn.countplot</a:t>
-                      </a:r>
-                      <a:r>
-                        <a:rPr lang="en-IN" sz="1100" kern="1200" dirty="0">
-                          <a:solidFill>
-                            <a:schemeClr val="tx1"/>
-                          </a:solidFill>
-                          <a:latin typeface="+mn-lt"/>
-                          <a:ea typeface="+mn-ea"/>
-                          <a:cs typeface="+mn-cs"/>
-                        </a:rPr>
-                        <a:t>(x=‘name’, data=df, palette=‘</a:t>
-                      </a:r>
-                      <a:r>
-                        <a:rPr lang="en-IN" sz="1100" kern="1200" dirty="0" err="1">
-                          <a:solidFill>
-                            <a:schemeClr val="tx1"/>
-                          </a:solidFill>
-                          <a:latin typeface="+mn-lt"/>
-                          <a:ea typeface="+mn-ea"/>
-                          <a:cs typeface="+mn-cs"/>
-                        </a:rPr>
-                        <a:t>YlOrBr</a:t>
-                      </a:r>
-                      <a:r>
-                        <a:rPr lang="en-IN" sz="1100" kern="1200" dirty="0">
-                          <a:solidFill>
-                            <a:schemeClr val="tx1"/>
-                          </a:solidFill>
-                          <a:latin typeface="+mn-lt"/>
-                          <a:ea typeface="+mn-ea"/>
-                          <a:cs typeface="+mn-cs"/>
-                        </a:rPr>
-                        <a:t>’)</a:t>
-                      </a:r>
-                      <a:r>
-                        <a:rPr lang="en-US" sz="1100" baseline="30000" dirty="0">
-                          <a:solidFill>
-                            <a:schemeClr val="bg1">
-                              <a:lumMod val="50000"/>
-                            </a:schemeClr>
-                          </a:solidFill>
-                        </a:rPr>
-                        <a:t> </a:t>
-                      </a:r>
-                      <a:r>
-                        <a:rPr lang="en-US" sz="1100" baseline="30000" dirty="0">
-                          <a:solidFill>
-                            <a:schemeClr val="bg1">
-                              <a:lumMod val="50000"/>
-                            </a:schemeClr>
-                          </a:solidFill>
-                          <a:hlinkClick r:id="rId3" action="ppaction://hlinksldjump"/>
-                        </a:rPr>
-                        <a:t>[3]</a:t>
-                      </a:r>
-                      <a:endParaRPr lang="en-IN" sz="1100" kern="1200" dirty="0">
-                        <a:solidFill>
-                          <a:schemeClr val="tx1"/>
-                        </a:solidFill>
-                        <a:latin typeface="+mn-lt"/>
-                        <a:ea typeface="+mn-ea"/>
-                        <a:cs typeface="+mn-cs"/>
-                      </a:endParaRPr>
-                    </a:p>
-                  </a:txBody>
-                  <a:tcPr/>
-                </a:tc>
-                <a:tc>
-                  <a:txBody>
-                    <a:bodyPr/>
-                    <a:lstStyle/>
-                    <a:p>
-                      <a:endParaRPr lang="en-US" sz="1200" dirty="0"/>
-                    </a:p>
-                  </a:txBody>
-                  <a:tcPr/>
-                </a:tc>
-                <a:extLst>
-                  <a:ext uri="{0D108BD9-81ED-4DB2-BD59-A6C34878D82A}">
-                    <a16:rowId xmlns:a16="http://schemas.microsoft.com/office/drawing/2014/main" val="836433670"/>
-                  </a:ext>
-                </a:extLst>
-              </a:tr>
-              <a:tr h="261404">
-                <a:tc gridSpan="3">
-                  <a:txBody>
-                    <a:bodyPr/>
-                    <a:lstStyle/>
-                    <a:p>
-                      <a:r>
-                        <a:rPr lang="en-US" sz="1100" dirty="0"/>
-                        <a:t># </a:t>
-                      </a:r>
-                      <a:r>
-                        <a:rPr lang="en-US" sz="1100" b="1" dirty="0"/>
-                        <a:t>Functions</a:t>
-                      </a:r>
-                    </a:p>
-                  </a:txBody>
-                  <a:tcPr/>
-                </a:tc>
-                <a:tc hMerge="1">
-                  <a:txBody>
-                    <a:bodyPr/>
-                    <a:lstStyle/>
+                        <a:t>)</a:t>
+                      </a:r>
+                    </a:p>
                     <a:p>
                       <a:pPr marL="0" marR="0" lvl="0" indent="0" algn="l" defTabSz="914400" rtl="0" eaLnBrk="1" fontAlgn="auto" latinLnBrk="0" hangingPunct="1">
                         <a:lnSpc>
@@ -5554,6 +4607,1362 @@
                         <a:cs typeface="+mn-cs"/>
                       </a:endParaRPr>
                     </a:p>
+                    <a:p>
+                      <a:pPr marL="0" marR="0" lvl="0" indent="0" algn="l" defTabSz="914400" rtl="0" eaLnBrk="1" fontAlgn="auto" latinLnBrk="0" hangingPunct="1">
+                        <a:lnSpc>
+                          <a:spcPct val="100000"/>
+                        </a:lnSpc>
+                        <a:spcBef>
+                          <a:spcPts val="0"/>
+                        </a:spcBef>
+                        <a:spcAft>
+                          <a:spcPts val="0"/>
+                        </a:spcAft>
+                        <a:buClrTx/>
+                        <a:buSzTx/>
+                        <a:buFontTx/>
+                        <a:buNone/>
+                        <a:tabLst/>
+                        <a:defRPr/>
+                      </a:pPr>
+                      <a:r>
+                        <a:rPr lang="en-IN" sz="1100" kern="1200" dirty="0">
+                          <a:solidFill>
+                            <a:schemeClr val="tx1"/>
+                          </a:solidFill>
+                          <a:latin typeface="+mn-lt"/>
+                          <a:ea typeface="+mn-ea"/>
+                          <a:cs typeface="+mn-cs"/>
+                        </a:rPr>
+                        <a:t>name &lt;- c('John', 'Larry', 'Chris’)</a:t>
+                      </a:r>
+                    </a:p>
+                    <a:p>
+                      <a:r>
+                        <a:rPr lang="en-US" sz="1100" kern="1200" dirty="0">
+                          <a:solidFill>
+                            <a:schemeClr val="tx1"/>
+                          </a:solidFill>
+                          <a:latin typeface="+mn-lt"/>
+                          <a:ea typeface="+mn-ea"/>
+                          <a:cs typeface="+mn-cs"/>
+                        </a:rPr>
+                        <a:t>age </a:t>
+                      </a:r>
+                      <a:r>
+                        <a:rPr lang="en-IN" sz="1100" kern="1200" dirty="0">
+                          <a:solidFill>
+                            <a:schemeClr val="tx1"/>
+                          </a:solidFill>
+                          <a:latin typeface="+mn-lt"/>
+                          <a:ea typeface="+mn-ea"/>
+                          <a:cs typeface="+mn-cs"/>
+                        </a:rPr>
+                        <a:t>&lt;-</a:t>
+                      </a:r>
+                      <a:r>
+                        <a:rPr lang="en-US" sz="1100" kern="1200" dirty="0">
+                          <a:solidFill>
+                            <a:schemeClr val="tx1"/>
+                          </a:solidFill>
+                          <a:latin typeface="+mn-lt"/>
+                          <a:ea typeface="+mn-ea"/>
+                          <a:cs typeface="+mn-cs"/>
+                        </a:rPr>
+                        <a:t> c(24, 23, 26)</a:t>
+                      </a:r>
+                    </a:p>
+                    <a:p>
+                      <a:r>
+                        <a:rPr lang="en-US" sz="1100" kern="1200" dirty="0">
+                          <a:solidFill>
+                            <a:schemeClr val="tx1"/>
+                          </a:solidFill>
+                          <a:latin typeface="+mn-lt"/>
+                          <a:ea typeface="+mn-ea"/>
+                          <a:cs typeface="+mn-cs"/>
+                        </a:rPr>
+                        <a:t>df </a:t>
+                      </a:r>
+                      <a:r>
+                        <a:rPr lang="en-IN" sz="1100" kern="1200" dirty="0">
+                          <a:solidFill>
+                            <a:schemeClr val="tx1"/>
+                          </a:solidFill>
+                          <a:latin typeface="+mn-lt"/>
+                          <a:ea typeface="+mn-ea"/>
+                          <a:cs typeface="+mn-cs"/>
+                        </a:rPr>
+                        <a:t>&lt;-</a:t>
+                      </a:r>
+                      <a:r>
+                        <a:rPr lang="en-US" sz="1100" kern="1200" dirty="0">
+                          <a:solidFill>
+                            <a:schemeClr val="tx1"/>
+                          </a:solidFill>
+                          <a:latin typeface="+mn-lt"/>
+                          <a:ea typeface="+mn-ea"/>
+                          <a:cs typeface="+mn-cs"/>
+                        </a:rPr>
+                        <a:t> </a:t>
+                      </a:r>
+                      <a:r>
+                        <a:rPr lang="en-US" sz="1100" kern="1200" dirty="0" err="1">
+                          <a:solidFill>
+                            <a:schemeClr val="tx1"/>
+                          </a:solidFill>
+                          <a:latin typeface="+mn-lt"/>
+                          <a:ea typeface="+mn-ea"/>
+                          <a:cs typeface="+mn-cs"/>
+                        </a:rPr>
+                        <a:t>data.frame</a:t>
+                      </a:r>
+                      <a:r>
+                        <a:rPr lang="en-US" sz="1100" kern="1200" dirty="0">
+                          <a:solidFill>
+                            <a:schemeClr val="tx1"/>
+                          </a:solidFill>
+                          <a:latin typeface="+mn-lt"/>
+                          <a:ea typeface="+mn-ea"/>
+                          <a:cs typeface="+mn-cs"/>
+                        </a:rPr>
+                        <a:t>(age, name)</a:t>
+                      </a:r>
+                    </a:p>
+                  </a:txBody>
+                  <a:tcPr/>
+                </a:tc>
+                <a:extLst>
+                  <a:ext uri="{0D108BD9-81ED-4DB2-BD59-A6C34878D82A}">
+                    <a16:rowId xmlns:a16="http://schemas.microsoft.com/office/drawing/2014/main" val="2966994156"/>
+                  </a:ext>
+                </a:extLst>
+              </a:tr>
+              <a:tr h="283411">
+                <a:tc gridSpan="3">
+                  <a:txBody>
+                    <a:bodyPr/>
+                    <a:lstStyle/>
+                    <a:p>
+                      <a:r>
+                        <a:rPr lang="en-US" sz="1100" dirty="0"/>
+                        <a:t># </a:t>
+                      </a:r>
+                      <a:r>
+                        <a:rPr lang="en-US" sz="1100" b="1" dirty="0"/>
+                        <a:t>Inspect</a:t>
+                      </a:r>
+                      <a:r>
+                        <a:rPr lang="en-US" sz="1100" dirty="0"/>
+                        <a:t> the </a:t>
+                      </a:r>
+                      <a:r>
+                        <a:rPr lang="en-US" sz="1100" dirty="0" err="1"/>
+                        <a:t>dataframe</a:t>
+                      </a:r>
+                      <a:endParaRPr lang="en-US" sz="1100" dirty="0"/>
+                    </a:p>
+                  </a:txBody>
+                  <a:tcPr/>
+                </a:tc>
+                <a:tc hMerge="1">
+                  <a:txBody>
+                    <a:bodyPr/>
+                    <a:lstStyle/>
+                    <a:p>
+                      <a:endParaRPr lang="en-US" sz="1600" dirty="0"/>
+                    </a:p>
+                  </a:txBody>
+                  <a:tcPr/>
+                </a:tc>
+                <a:tc hMerge="1">
+                  <a:txBody>
+                    <a:bodyPr/>
+                    <a:lstStyle/>
+                    <a:p>
+                      <a:endParaRPr lang="en-US" dirty="0"/>
+                    </a:p>
+                  </a:txBody>
+                  <a:tcPr/>
+                </a:tc>
+                <a:extLst>
+                  <a:ext uri="{0D108BD9-81ED-4DB2-BD59-A6C34878D82A}">
+                    <a16:rowId xmlns:a16="http://schemas.microsoft.com/office/drawing/2014/main" val="3693112010"/>
+                  </a:ext>
+                </a:extLst>
+              </a:tr>
+              <a:tr h="650179">
+                <a:tc>
+                  <a:txBody>
+                    <a:bodyPr/>
+                    <a:lstStyle/>
+                    <a:p>
+                      <a:r>
+                        <a:rPr lang="en-US" sz="1100" dirty="0"/>
+                        <a:t>Snapshot of the </a:t>
+                      </a:r>
+                      <a:r>
+                        <a:rPr lang="en-US" sz="1100" dirty="0" err="1"/>
+                        <a:t>dataframe</a:t>
+                      </a:r>
+                      <a:r>
+                        <a:rPr lang="en-US" sz="1100" dirty="0"/>
+                        <a:t> structures, features, etc.</a:t>
+                      </a:r>
+                    </a:p>
+                  </a:txBody>
+                  <a:tcPr/>
+                </a:tc>
+                <a:tc>
+                  <a:txBody>
+                    <a:bodyPr/>
+                    <a:lstStyle/>
+                    <a:p>
+                      <a:pPr marL="0" marR="0" lvl="0" indent="0" algn="l" defTabSz="914400" rtl="0" eaLnBrk="1" fontAlgn="auto" latinLnBrk="0" hangingPunct="1">
+                        <a:lnSpc>
+                          <a:spcPct val="100000"/>
+                        </a:lnSpc>
+                        <a:spcBef>
+                          <a:spcPts val="0"/>
+                        </a:spcBef>
+                        <a:spcAft>
+                          <a:spcPts val="0"/>
+                        </a:spcAft>
+                        <a:buClrTx/>
+                        <a:buSzTx/>
+                        <a:buFontTx/>
+                        <a:buNone/>
+                        <a:tabLst/>
+                        <a:defRPr/>
+                      </a:pPr>
+                      <a:r>
+                        <a:rPr lang="en-US" sz="1100" i="1" dirty="0">
+                          <a:solidFill>
+                            <a:schemeClr val="bg1">
+                              <a:lumMod val="50000"/>
+                            </a:schemeClr>
+                          </a:solidFill>
+                        </a:rPr>
+                        <a:t>#</a:t>
+                      </a:r>
+                      <a:r>
+                        <a:rPr lang="en-US" sz="1100" dirty="0">
+                          <a:solidFill>
+                            <a:schemeClr val="bg1">
+                              <a:lumMod val="50000"/>
+                            </a:schemeClr>
+                          </a:solidFill>
+                        </a:rPr>
+                        <a:t> </a:t>
+                      </a:r>
+                      <a:r>
+                        <a:rPr lang="en-US" sz="1100" i="1" dirty="0">
+                          <a:solidFill>
+                            <a:schemeClr val="bg1">
+                              <a:lumMod val="50000"/>
+                            </a:schemeClr>
+                          </a:solidFill>
+                        </a:rPr>
+                        <a:t>Inspect specific column by adding column name like df[‘col1’].head()</a:t>
+                      </a:r>
+                    </a:p>
+                    <a:p>
+                      <a:r>
+                        <a:rPr lang="en-US" sz="1100" dirty="0" err="1"/>
+                        <a:t>df.head</a:t>
+                      </a:r>
+                      <a:r>
+                        <a:rPr lang="en-US" sz="1100" dirty="0"/>
+                        <a:t>(); </a:t>
+                      </a:r>
+                      <a:r>
+                        <a:rPr lang="en-US" sz="1100" dirty="0" err="1"/>
+                        <a:t>df.tail</a:t>
+                      </a:r>
+                      <a:r>
+                        <a:rPr lang="en-US" sz="1100" dirty="0"/>
+                        <a:t>(); </a:t>
+                      </a:r>
+                    </a:p>
+                    <a:p>
+                      <a:r>
+                        <a:rPr lang="en-US" sz="1100" dirty="0" err="1"/>
+                        <a:t>df.columns</a:t>
+                      </a:r>
+                      <a:r>
+                        <a:rPr lang="en-US" sz="1100" dirty="0"/>
+                        <a:t>; </a:t>
+                      </a:r>
+                      <a:r>
+                        <a:rPr lang="en-US" sz="1100" dirty="0" err="1"/>
+                        <a:t>df.shape</a:t>
+                      </a:r>
+                      <a:r>
+                        <a:rPr lang="en-US" sz="1100" dirty="0"/>
+                        <a:t>; </a:t>
+                      </a:r>
+                      <a:r>
+                        <a:rPr lang="en-US" sz="1100" dirty="0" err="1"/>
+                        <a:t>df.info</a:t>
+                      </a:r>
+                      <a:r>
+                        <a:rPr lang="en-US" sz="1100" dirty="0"/>
+                        <a:t>(); </a:t>
+                      </a:r>
+                      <a:r>
+                        <a:rPr lang="en-US" sz="1100" dirty="0" err="1"/>
+                        <a:t>df.describe</a:t>
+                      </a:r>
+                      <a:r>
+                        <a:rPr lang="en-US" sz="1100" dirty="0"/>
+                        <a:t>(); </a:t>
+                      </a:r>
+                      <a:r>
+                        <a:rPr lang="en-US" sz="1100" dirty="0" err="1"/>
+                        <a:t>df.nunique</a:t>
+                      </a:r>
+                      <a:r>
+                        <a:rPr lang="en-US" sz="1100" dirty="0"/>
+                        <a:t>(); type(df) </a:t>
+                      </a:r>
+                    </a:p>
+                  </a:txBody>
+                  <a:tcPr/>
+                </a:tc>
+                <a:tc>
+                  <a:txBody>
+                    <a:bodyPr/>
+                    <a:lstStyle/>
+                    <a:p>
+                      <a:r>
+                        <a:rPr lang="en-US" sz="1100" i="1" dirty="0">
+                          <a:solidFill>
+                            <a:schemeClr val="bg1">
+                              <a:lumMod val="50000"/>
+                            </a:schemeClr>
+                          </a:solidFill>
+                        </a:rPr>
+                        <a:t>#</a:t>
+                      </a:r>
+                      <a:r>
+                        <a:rPr lang="en-US" sz="1100" dirty="0">
+                          <a:solidFill>
+                            <a:schemeClr val="bg1">
+                              <a:lumMod val="50000"/>
+                            </a:schemeClr>
+                          </a:solidFill>
+                        </a:rPr>
+                        <a:t> </a:t>
+                      </a:r>
+                      <a:r>
+                        <a:rPr lang="en-US" sz="1100" i="1" dirty="0">
+                          <a:solidFill>
+                            <a:schemeClr val="bg1">
+                              <a:lumMod val="50000"/>
+                            </a:schemeClr>
+                          </a:solidFill>
+                        </a:rPr>
+                        <a:t>Inspect specific column by adding column name like head(df[‘col1’])</a:t>
+                      </a:r>
+                      <a:endParaRPr lang="en-US" sz="1100" dirty="0"/>
+                    </a:p>
+                    <a:p>
+                      <a:r>
+                        <a:rPr lang="en-US" sz="1100" dirty="0"/>
+                        <a:t>head(df); tail(df);</a:t>
+                      </a:r>
+                    </a:p>
+                    <a:p>
+                      <a:r>
+                        <a:rPr lang="en-US" sz="1100" dirty="0" err="1"/>
+                        <a:t>colnames</a:t>
+                      </a:r>
+                      <a:r>
+                        <a:rPr lang="en-US" sz="1100" dirty="0"/>
+                        <a:t>(df); dim(df); str(df); </a:t>
+                      </a:r>
+                      <a:r>
+                        <a:rPr lang="en-US" sz="1100" dirty="0" err="1"/>
+                        <a:t>typeof</a:t>
+                      </a:r>
+                      <a:r>
+                        <a:rPr lang="en-US" sz="1100" dirty="0"/>
+                        <a:t>(df)</a:t>
+                      </a:r>
+                    </a:p>
+                  </a:txBody>
+                  <a:tcPr/>
+                </a:tc>
+                <a:extLst>
+                  <a:ext uri="{0D108BD9-81ED-4DB2-BD59-A6C34878D82A}">
+                    <a16:rowId xmlns:a16="http://schemas.microsoft.com/office/drawing/2014/main" val="540375531"/>
+                  </a:ext>
+                </a:extLst>
+              </a:tr>
+              <a:tr h="283411">
+                <a:tc gridSpan="3">
+                  <a:txBody>
+                    <a:bodyPr/>
+                    <a:lstStyle/>
+                    <a:p>
+                      <a:r>
+                        <a:rPr lang="en-US" sz="1100" dirty="0"/>
+                        <a:t># </a:t>
+                      </a:r>
+                      <a:r>
+                        <a:rPr lang="en-US" sz="1100" b="1" dirty="0"/>
+                        <a:t>Cleaning</a:t>
+                      </a:r>
+                      <a:r>
+                        <a:rPr lang="en-US" sz="1100" dirty="0"/>
+                        <a:t> data</a:t>
+                      </a:r>
+                    </a:p>
+                  </a:txBody>
+                  <a:tcPr/>
+                </a:tc>
+                <a:tc hMerge="1">
+                  <a:txBody>
+                    <a:bodyPr/>
+                    <a:lstStyle/>
+                    <a:p>
+                      <a:endParaRPr lang="en-US" sz="1600" dirty="0"/>
+                    </a:p>
+                  </a:txBody>
+                  <a:tcPr/>
+                </a:tc>
+                <a:tc hMerge="1">
+                  <a:txBody>
+                    <a:bodyPr/>
+                    <a:lstStyle/>
+                    <a:p>
+                      <a:endParaRPr lang="en-US" dirty="0"/>
+                    </a:p>
+                  </a:txBody>
+                  <a:tcPr/>
+                </a:tc>
+                <a:extLst>
+                  <a:ext uri="{0D108BD9-81ED-4DB2-BD59-A6C34878D82A}">
+                    <a16:rowId xmlns:a16="http://schemas.microsoft.com/office/drawing/2014/main" val="34924279"/>
+                  </a:ext>
+                </a:extLst>
+              </a:tr>
+              <a:tr h="833563">
+                <a:tc>
+                  <a:txBody>
+                    <a:bodyPr/>
+                    <a:lstStyle/>
+                    <a:p>
+                      <a:endParaRPr lang="en-US" sz="1100"/>
+                    </a:p>
+                    <a:p>
+                      <a:r>
+                        <a:rPr lang="en-US" sz="1100"/>
+                        <a:t>Drop columns</a:t>
+                      </a:r>
+                    </a:p>
+                    <a:p>
+                      <a:r>
+                        <a:rPr lang="en-US" sz="1100"/>
+                        <a:t>Drop missing values</a:t>
+                      </a:r>
+                    </a:p>
+                    <a:p>
+                      <a:r>
+                        <a:rPr lang="en-US" sz="1100"/>
+                        <a:t>Alter column datatype</a:t>
+                      </a:r>
+                      <a:endParaRPr lang="en-US" sz="1100" dirty="0"/>
+                    </a:p>
+                  </a:txBody>
+                  <a:tcPr/>
+                </a:tc>
+                <a:tc>
+                  <a:txBody>
+                    <a:bodyPr/>
+                    <a:lstStyle/>
+                    <a:p>
+                      <a:pPr marL="0" marR="0" lvl="0" indent="0" algn="l" defTabSz="914400" rtl="0" eaLnBrk="1" fontAlgn="auto" latinLnBrk="0" hangingPunct="1">
+                        <a:lnSpc>
+                          <a:spcPct val="100000"/>
+                        </a:lnSpc>
+                        <a:spcBef>
+                          <a:spcPts val="0"/>
+                        </a:spcBef>
+                        <a:spcAft>
+                          <a:spcPts val="0"/>
+                        </a:spcAft>
+                        <a:buClrTx/>
+                        <a:buSzTx/>
+                        <a:buFontTx/>
+                        <a:buNone/>
+                        <a:tabLst/>
+                        <a:defRPr/>
+                      </a:pPr>
+                      <a:r>
+                        <a:rPr lang="en-US" sz="1100" i="1" dirty="0">
+                          <a:solidFill>
+                            <a:schemeClr val="bg1">
+                              <a:lumMod val="50000"/>
+                            </a:schemeClr>
+                          </a:solidFill>
+                        </a:rPr>
+                        <a:t># df = </a:t>
+                      </a:r>
+                      <a:r>
+                        <a:rPr lang="en-US" sz="1100" i="1" dirty="0" err="1">
+                          <a:solidFill>
+                            <a:schemeClr val="bg1">
+                              <a:lumMod val="50000"/>
+                            </a:schemeClr>
+                          </a:solidFill>
+                        </a:rPr>
+                        <a:t>df.SomeMethod</a:t>
+                      </a:r>
+                      <a:r>
+                        <a:rPr lang="en-US" sz="1100" i="1" dirty="0">
+                          <a:solidFill>
+                            <a:schemeClr val="bg1">
+                              <a:lumMod val="50000"/>
+                            </a:schemeClr>
+                          </a:solidFill>
+                        </a:rPr>
+                        <a:t>(</a:t>
+                      </a:r>
+                      <a:r>
+                        <a:rPr lang="en-US" sz="1100" i="1" dirty="0" err="1">
+                          <a:solidFill>
+                            <a:schemeClr val="bg1">
+                              <a:lumMod val="50000"/>
+                            </a:schemeClr>
+                          </a:solidFill>
+                        </a:rPr>
+                        <a:t>arg</a:t>
+                      </a:r>
+                      <a:r>
+                        <a:rPr lang="en-US" sz="1100" i="1" dirty="0">
+                          <a:solidFill>
+                            <a:schemeClr val="bg1">
+                              <a:lumMod val="50000"/>
+                            </a:schemeClr>
+                          </a:solidFill>
+                        </a:rPr>
+                        <a:t>) same as </a:t>
+                      </a:r>
+                      <a:r>
+                        <a:rPr lang="en-US" sz="1100" i="1" dirty="0" err="1">
+                          <a:solidFill>
+                            <a:schemeClr val="bg1">
+                              <a:lumMod val="50000"/>
+                            </a:schemeClr>
+                          </a:solidFill>
+                        </a:rPr>
+                        <a:t>df.SomeMethod</a:t>
+                      </a:r>
+                      <a:r>
+                        <a:rPr lang="en-US" sz="1100" i="1" dirty="0">
+                          <a:solidFill>
+                            <a:schemeClr val="bg1">
+                              <a:lumMod val="50000"/>
+                            </a:schemeClr>
+                          </a:solidFill>
+                        </a:rPr>
+                        <a:t>(</a:t>
+                      </a:r>
+                      <a:r>
+                        <a:rPr lang="en-US" sz="1100" i="1" dirty="0" err="1">
+                          <a:solidFill>
+                            <a:schemeClr val="bg1">
+                              <a:lumMod val="50000"/>
+                            </a:schemeClr>
+                          </a:solidFill>
+                        </a:rPr>
+                        <a:t>arg</a:t>
+                      </a:r>
+                      <a:r>
+                        <a:rPr lang="en-US" sz="1100" i="1" dirty="0">
+                          <a:solidFill>
+                            <a:schemeClr val="bg1">
+                              <a:lumMod val="50000"/>
+                            </a:schemeClr>
+                          </a:solidFill>
+                        </a:rPr>
+                        <a:t>, </a:t>
+                      </a:r>
+                      <a:r>
+                        <a:rPr lang="en-US" sz="1100" i="1" dirty="0" err="1">
+                          <a:solidFill>
+                            <a:schemeClr val="bg1">
+                              <a:lumMod val="50000"/>
+                            </a:schemeClr>
+                          </a:solidFill>
+                        </a:rPr>
+                        <a:t>inplace</a:t>
+                      </a:r>
+                      <a:r>
+                        <a:rPr lang="en-US" sz="1100" i="1" dirty="0">
+                          <a:solidFill>
+                            <a:schemeClr val="bg1">
+                              <a:lumMod val="50000"/>
+                            </a:schemeClr>
+                          </a:solidFill>
+                        </a:rPr>
+                        <a:t>=True)</a:t>
+                      </a:r>
+                    </a:p>
+                    <a:p>
+                      <a:pPr marL="0" marR="0" lvl="0" indent="0" algn="l" defTabSz="914400" rtl="0" eaLnBrk="1" fontAlgn="auto" latinLnBrk="0" hangingPunct="1">
+                        <a:lnSpc>
+                          <a:spcPct val="100000"/>
+                        </a:lnSpc>
+                        <a:spcBef>
+                          <a:spcPts val="0"/>
+                        </a:spcBef>
+                        <a:spcAft>
+                          <a:spcPts val="0"/>
+                        </a:spcAft>
+                        <a:buClrTx/>
+                        <a:buSzTx/>
+                        <a:buFontTx/>
+                        <a:buNone/>
+                        <a:tabLst/>
+                        <a:defRPr/>
+                      </a:pPr>
+                      <a:r>
+                        <a:rPr lang="en-US" sz="1100" dirty="0"/>
+                        <a:t>df = </a:t>
+                      </a:r>
+                      <a:r>
+                        <a:rPr lang="en-US" sz="1100" dirty="0" err="1"/>
+                        <a:t>df.drop</a:t>
+                      </a:r>
+                      <a:r>
+                        <a:rPr lang="en-US" sz="1100" dirty="0"/>
+                        <a:t>(columns=[‘name’, ‘age’])</a:t>
+                      </a:r>
+                    </a:p>
+                    <a:p>
+                      <a:r>
+                        <a:rPr lang="en-US" sz="1100" dirty="0"/>
+                        <a:t>df = </a:t>
+                      </a:r>
+                      <a:r>
+                        <a:rPr lang="en-US" sz="1100" dirty="0" err="1"/>
+                        <a:t>df.dropna</a:t>
+                      </a:r>
+                      <a:r>
+                        <a:rPr lang="en-US" sz="1100" dirty="0"/>
+                        <a:t>()</a:t>
+                      </a:r>
+                    </a:p>
+                    <a:p>
+                      <a:r>
+                        <a:rPr lang="en-US" sz="1100" dirty="0"/>
+                        <a:t>df[‘age’] = df[‘age’].</a:t>
+                      </a:r>
+                      <a:r>
+                        <a:rPr lang="en-US" sz="1100" dirty="0" err="1"/>
+                        <a:t>astype</a:t>
+                      </a:r>
+                      <a:r>
+                        <a:rPr lang="en-US" sz="1100" dirty="0"/>
+                        <a:t>(str)</a:t>
+                      </a:r>
+                      <a:r>
+                        <a:rPr lang="en-US" sz="1100" baseline="30000" dirty="0">
+                          <a:solidFill>
+                            <a:schemeClr val="bg1">
+                              <a:lumMod val="50000"/>
+                            </a:schemeClr>
+                          </a:solidFill>
+                        </a:rPr>
+                        <a:t> </a:t>
+                      </a:r>
+                      <a:endParaRPr lang="en-US" sz="1100" dirty="0"/>
+                    </a:p>
+                  </a:txBody>
+                  <a:tcPr/>
+                </a:tc>
+                <a:tc>
+                  <a:txBody>
+                    <a:bodyPr/>
+                    <a:lstStyle/>
+                    <a:p>
+                      <a:endParaRPr lang="en-US" sz="1100" dirty="0"/>
+                    </a:p>
+                    <a:p>
+                      <a:r>
+                        <a:rPr lang="en-US" sz="1100" dirty="0"/>
+                        <a:t>d</a:t>
+                      </a:r>
+                      <a:r>
+                        <a:rPr lang="en-US" sz="1100" kern="1200" dirty="0">
+                          <a:solidFill>
+                            <a:schemeClr val="tx1"/>
+                          </a:solidFill>
+                          <a:latin typeface="+mn-lt"/>
+                          <a:ea typeface="+mn-ea"/>
+                          <a:cs typeface="+mn-cs"/>
+                        </a:rPr>
+                        <a:t>f </a:t>
+                      </a:r>
+                      <a:r>
+                        <a:rPr lang="en-IN" sz="1100" kern="1200" dirty="0">
+                          <a:solidFill>
+                            <a:schemeClr val="tx1"/>
+                          </a:solidFill>
+                          <a:latin typeface="+mn-lt"/>
+                          <a:ea typeface="+mn-ea"/>
+                          <a:cs typeface="+mn-cs"/>
+                        </a:rPr>
+                        <a:t>&lt;-</a:t>
+                      </a:r>
+                      <a:r>
+                        <a:rPr lang="en-US" sz="1100" kern="1200" dirty="0">
+                          <a:solidFill>
+                            <a:schemeClr val="tx1"/>
+                          </a:solidFill>
+                          <a:latin typeface="+mn-lt"/>
+                          <a:ea typeface="+mn-ea"/>
+                          <a:cs typeface="+mn-cs"/>
+                        </a:rPr>
+                        <a:t> subset(df, select=-c(name, age))</a:t>
+                      </a:r>
+                    </a:p>
+                    <a:p>
+                      <a:r>
+                        <a:rPr lang="en-US" sz="1100" kern="1200" dirty="0">
+                          <a:solidFill>
+                            <a:schemeClr val="tx1"/>
+                          </a:solidFill>
+                          <a:latin typeface="+mn-lt"/>
+                          <a:ea typeface="+mn-ea"/>
+                          <a:cs typeface="+mn-cs"/>
+                        </a:rPr>
+                        <a:t>df </a:t>
+                      </a:r>
+                      <a:r>
+                        <a:rPr lang="en-IN" sz="1100" kern="1200" dirty="0">
+                          <a:solidFill>
+                            <a:schemeClr val="tx1"/>
+                          </a:solidFill>
+                          <a:latin typeface="+mn-lt"/>
+                          <a:ea typeface="+mn-ea"/>
+                          <a:cs typeface="+mn-cs"/>
+                        </a:rPr>
+                        <a:t>&lt;-</a:t>
+                      </a:r>
+                      <a:r>
+                        <a:rPr lang="en-US" sz="1100" kern="1200" dirty="0">
+                          <a:solidFill>
+                            <a:schemeClr val="tx1"/>
+                          </a:solidFill>
+                          <a:latin typeface="+mn-lt"/>
+                          <a:ea typeface="+mn-ea"/>
+                          <a:cs typeface="+mn-cs"/>
+                        </a:rPr>
+                        <a:t> </a:t>
+                      </a:r>
+                      <a:r>
+                        <a:rPr lang="en-IN" sz="1100" kern="1200" dirty="0" err="1">
+                          <a:solidFill>
+                            <a:schemeClr val="tx1"/>
+                          </a:solidFill>
+                          <a:latin typeface="+mn-lt"/>
+                          <a:ea typeface="+mn-ea"/>
+                          <a:cs typeface="+mn-cs"/>
+                        </a:rPr>
+                        <a:t>DropNA</a:t>
+                      </a:r>
+                      <a:r>
+                        <a:rPr lang="en-IN" sz="1100" kern="1200" dirty="0">
+                          <a:solidFill>
+                            <a:schemeClr val="tx1"/>
+                          </a:solidFill>
+                          <a:latin typeface="+mn-lt"/>
+                          <a:ea typeface="+mn-ea"/>
+                          <a:cs typeface="+mn-cs"/>
+                        </a:rPr>
+                        <a:t>(</a:t>
+                      </a:r>
+                      <a:r>
+                        <a:rPr lang="en-US" sz="1100" dirty="0"/>
+                        <a:t>d</a:t>
+                      </a:r>
+                      <a:r>
+                        <a:rPr lang="en-US" sz="1100" kern="1200" dirty="0">
+                          <a:solidFill>
+                            <a:schemeClr val="tx1"/>
+                          </a:solidFill>
+                          <a:latin typeface="+mn-lt"/>
+                          <a:ea typeface="+mn-ea"/>
+                          <a:cs typeface="+mn-cs"/>
+                        </a:rPr>
+                        <a:t>f</a:t>
+                      </a:r>
+                      <a:r>
+                        <a:rPr lang="en-IN" sz="1100" kern="1200" dirty="0">
+                          <a:solidFill>
+                            <a:schemeClr val="tx1"/>
+                          </a:solidFill>
+                          <a:latin typeface="+mn-lt"/>
+                          <a:ea typeface="+mn-ea"/>
+                          <a:cs typeface="+mn-cs"/>
+                        </a:rPr>
+                        <a:t>)</a:t>
+                      </a:r>
+                    </a:p>
+                    <a:p>
+                      <a:r>
+                        <a:rPr lang="en-US" sz="1100" kern="1200" dirty="0" err="1">
+                          <a:solidFill>
+                            <a:schemeClr val="tx1"/>
+                          </a:solidFill>
+                          <a:latin typeface="+mn-lt"/>
+                          <a:ea typeface="+mn-ea"/>
+                          <a:cs typeface="+mn-cs"/>
+                        </a:rPr>
+                        <a:t>df$age</a:t>
+                      </a:r>
+                      <a:r>
+                        <a:rPr lang="en-US" sz="1100" kern="1200" dirty="0">
+                          <a:solidFill>
+                            <a:schemeClr val="tx1"/>
+                          </a:solidFill>
+                          <a:latin typeface="+mn-lt"/>
+                          <a:ea typeface="+mn-ea"/>
+                          <a:cs typeface="+mn-cs"/>
+                        </a:rPr>
+                        <a:t> &lt;- </a:t>
+                      </a:r>
+                      <a:r>
+                        <a:rPr lang="en-US" sz="1100" kern="1200" dirty="0" err="1">
+                          <a:solidFill>
+                            <a:schemeClr val="tx1"/>
+                          </a:solidFill>
+                          <a:latin typeface="+mn-lt"/>
+                          <a:ea typeface="+mn-ea"/>
+                          <a:cs typeface="+mn-cs"/>
+                        </a:rPr>
+                        <a:t>as.character</a:t>
+                      </a:r>
+                      <a:r>
+                        <a:rPr lang="en-US" sz="1100" kern="1200" dirty="0">
+                          <a:solidFill>
+                            <a:schemeClr val="tx1"/>
+                          </a:solidFill>
+                          <a:latin typeface="+mn-lt"/>
+                          <a:ea typeface="+mn-ea"/>
+                          <a:cs typeface="+mn-cs"/>
+                        </a:rPr>
+                        <a:t>(</a:t>
+                      </a:r>
+                      <a:r>
+                        <a:rPr lang="en-US" sz="1100" kern="1200" dirty="0" err="1">
+                          <a:solidFill>
+                            <a:schemeClr val="tx1"/>
+                          </a:solidFill>
+                          <a:latin typeface="+mn-lt"/>
+                          <a:ea typeface="+mn-ea"/>
+                          <a:cs typeface="+mn-cs"/>
+                        </a:rPr>
+                        <a:t>df$age</a:t>
+                      </a:r>
+                      <a:r>
+                        <a:rPr lang="en-US" sz="1100" kern="1200" dirty="0">
+                          <a:solidFill>
+                            <a:schemeClr val="tx1"/>
+                          </a:solidFill>
+                          <a:latin typeface="+mn-lt"/>
+                          <a:ea typeface="+mn-ea"/>
+                          <a:cs typeface="+mn-cs"/>
+                        </a:rPr>
+                        <a:t>)</a:t>
+                      </a:r>
+                    </a:p>
+                  </a:txBody>
+                  <a:tcPr/>
+                </a:tc>
+                <a:extLst>
+                  <a:ext uri="{0D108BD9-81ED-4DB2-BD59-A6C34878D82A}">
+                    <a16:rowId xmlns:a16="http://schemas.microsoft.com/office/drawing/2014/main" val="3351207753"/>
+                  </a:ext>
+                </a:extLst>
+              </a:tr>
+              <a:tr h="283411">
+                <a:tc gridSpan="3">
+                  <a:txBody>
+                    <a:bodyPr/>
+                    <a:lstStyle/>
+                    <a:p>
+                      <a:pPr marL="0" marR="0" lvl="0" indent="0" algn="l" defTabSz="914400" rtl="0" eaLnBrk="1" fontAlgn="auto" latinLnBrk="0" hangingPunct="1">
+                        <a:lnSpc>
+                          <a:spcPct val="100000"/>
+                        </a:lnSpc>
+                        <a:spcBef>
+                          <a:spcPts val="0"/>
+                        </a:spcBef>
+                        <a:spcAft>
+                          <a:spcPts val="0"/>
+                        </a:spcAft>
+                        <a:buClrTx/>
+                        <a:buSzTx/>
+                        <a:buFontTx/>
+                        <a:buNone/>
+                        <a:tabLst/>
+                        <a:defRPr/>
+                      </a:pPr>
+                      <a:r>
+                        <a:rPr lang="en-US" sz="1100" dirty="0"/>
+                        <a:t> # </a:t>
+                      </a:r>
+                      <a:r>
+                        <a:rPr lang="en-US" sz="1100" b="1" dirty="0"/>
+                        <a:t>Feature-engineering</a:t>
+                      </a:r>
+                      <a:endParaRPr lang="en-US" sz="1100" dirty="0"/>
+                    </a:p>
+                  </a:txBody>
+                  <a:tcPr/>
+                </a:tc>
+                <a:tc hMerge="1">
+                  <a:txBody>
+                    <a:bodyPr/>
+                    <a:lstStyle/>
+                    <a:p>
+                      <a:endParaRPr lang="en-US" sz="1100" dirty="0"/>
+                    </a:p>
+                  </a:txBody>
+                  <a:tcPr/>
+                </a:tc>
+                <a:tc hMerge="1">
+                  <a:txBody>
+                    <a:bodyPr/>
+                    <a:lstStyle/>
+                    <a:p>
+                      <a:endParaRPr lang="en-US" sz="1200" dirty="0"/>
+                    </a:p>
+                  </a:txBody>
+                  <a:tcPr/>
+                </a:tc>
+                <a:extLst>
+                  <a:ext uri="{0D108BD9-81ED-4DB2-BD59-A6C34878D82A}">
+                    <a16:rowId xmlns:a16="http://schemas.microsoft.com/office/drawing/2014/main" val="2858986506"/>
+                  </a:ext>
+                </a:extLst>
+              </a:tr>
+              <a:tr h="1016946">
+                <a:tc>
+                  <a:txBody>
+                    <a:bodyPr/>
+                    <a:lstStyle/>
+                    <a:p>
+                      <a:pPr marL="0" marR="0" lvl="0" indent="0" algn="l" defTabSz="914400" rtl="0" eaLnBrk="1" fontAlgn="auto" latinLnBrk="0" hangingPunct="1">
+                        <a:lnSpc>
+                          <a:spcPct val="100000"/>
+                        </a:lnSpc>
+                        <a:spcBef>
+                          <a:spcPts val="0"/>
+                        </a:spcBef>
+                        <a:spcAft>
+                          <a:spcPts val="0"/>
+                        </a:spcAft>
+                        <a:buClrTx/>
+                        <a:buSzTx/>
+                        <a:buFontTx/>
+                        <a:buNone/>
+                        <a:tabLst/>
+                        <a:defRPr/>
+                      </a:pPr>
+                      <a:r>
+                        <a:rPr lang="en-US" sz="1100" dirty="0"/>
+                        <a:t>Column names to list</a:t>
+                      </a:r>
+                    </a:p>
+                    <a:p>
+                      <a:pPr marL="0" marR="0" lvl="0" indent="0" algn="l" defTabSz="914400" rtl="0" eaLnBrk="1" fontAlgn="auto" latinLnBrk="0" hangingPunct="1">
+                        <a:lnSpc>
+                          <a:spcPct val="100000"/>
+                        </a:lnSpc>
+                        <a:spcBef>
+                          <a:spcPts val="0"/>
+                        </a:spcBef>
+                        <a:spcAft>
+                          <a:spcPts val="0"/>
+                        </a:spcAft>
+                        <a:buClrTx/>
+                        <a:buSzTx/>
+                        <a:buFontTx/>
+                        <a:buNone/>
+                        <a:tabLst/>
+                        <a:defRPr/>
+                      </a:pPr>
+                      <a:r>
+                        <a:rPr lang="en-US" sz="1100" dirty="0"/>
+                        <a:t>Column values to list</a:t>
+                      </a:r>
+                    </a:p>
+                    <a:p>
+                      <a:r>
+                        <a:rPr lang="en-US" sz="1100" dirty="0"/>
+                        <a:t>Filter by column value</a:t>
+                      </a:r>
+                    </a:p>
+                    <a:p>
+                      <a:r>
+                        <a:rPr lang="en-US" sz="1100" dirty="0"/>
+                        <a:t>Create new features</a:t>
+                      </a:r>
+                    </a:p>
+                  </a:txBody>
+                  <a:tcPr/>
+                </a:tc>
+                <a:tc>
+                  <a:txBody>
+                    <a:bodyPr/>
+                    <a:lstStyle/>
+                    <a:p>
+                      <a:pPr marL="0" marR="0" lvl="0" indent="0" algn="l" defTabSz="914400" rtl="0" eaLnBrk="1" fontAlgn="auto" latinLnBrk="0" hangingPunct="1">
+                        <a:lnSpc>
+                          <a:spcPct val="100000"/>
+                        </a:lnSpc>
+                        <a:spcBef>
+                          <a:spcPts val="0"/>
+                        </a:spcBef>
+                        <a:spcAft>
+                          <a:spcPts val="0"/>
+                        </a:spcAft>
+                        <a:buClrTx/>
+                        <a:buSzTx/>
+                        <a:buFontTx/>
+                        <a:buNone/>
+                        <a:tabLst/>
+                        <a:defRPr/>
+                      </a:pPr>
+                      <a:r>
+                        <a:rPr lang="en-US" sz="1100" dirty="0" err="1"/>
+                        <a:t>col_ls</a:t>
+                      </a:r>
+                      <a:r>
+                        <a:rPr lang="en-US" sz="1100" dirty="0"/>
+                        <a:t> = </a:t>
+                      </a:r>
+                      <a:r>
+                        <a:rPr lang="en-US" sz="1100" dirty="0" err="1"/>
+                        <a:t>df.columns.tolist</a:t>
+                      </a:r>
+                      <a:r>
+                        <a:rPr lang="en-US" sz="1100" dirty="0"/>
+                        <a:t>()</a:t>
+                      </a:r>
+                    </a:p>
+                    <a:p>
+                      <a:pPr marL="0" marR="0" lvl="0" indent="0" algn="l" defTabSz="914400" rtl="0" eaLnBrk="1" fontAlgn="auto" latinLnBrk="0" hangingPunct="1">
+                        <a:lnSpc>
+                          <a:spcPct val="100000"/>
+                        </a:lnSpc>
+                        <a:spcBef>
+                          <a:spcPts val="0"/>
+                        </a:spcBef>
+                        <a:spcAft>
+                          <a:spcPts val="0"/>
+                        </a:spcAft>
+                        <a:buClrTx/>
+                        <a:buSzTx/>
+                        <a:buFontTx/>
+                        <a:buNone/>
+                        <a:tabLst/>
+                        <a:defRPr/>
+                      </a:pPr>
+                      <a:r>
+                        <a:rPr lang="en-US" sz="1100" dirty="0" err="1"/>
+                        <a:t>name_ls</a:t>
+                      </a:r>
+                      <a:r>
+                        <a:rPr lang="en-US" sz="1100" dirty="0"/>
+                        <a:t> = df[‘name’].unique().</a:t>
+                      </a:r>
+                      <a:r>
+                        <a:rPr lang="en-US" sz="1100" dirty="0" err="1"/>
+                        <a:t>tolist</a:t>
+                      </a:r>
+                      <a:r>
+                        <a:rPr lang="en-US" sz="1100" dirty="0"/>
+                        <a:t>()</a:t>
+                      </a:r>
+                    </a:p>
+                    <a:p>
+                      <a:r>
+                        <a:rPr lang="en-US" sz="1100" dirty="0"/>
+                        <a:t>df = df[df[‘name’==  Larry’]</a:t>
+                      </a:r>
+                    </a:p>
+                    <a:p>
+                      <a:r>
+                        <a:rPr lang="en-US" sz="1100" dirty="0"/>
+                        <a:t>df[‘Sex’] = [‘M’,  ‘F’,  ‘M’] </a:t>
+                      </a:r>
+                    </a:p>
+                    <a:p>
+                      <a:r>
+                        <a:rPr lang="en-US" sz="1100" dirty="0"/>
+                        <a:t>df[‘</a:t>
+                      </a:r>
+                      <a:r>
+                        <a:rPr lang="en-US" sz="1100" dirty="0" err="1"/>
+                        <a:t>name_lower</a:t>
+                      </a:r>
+                      <a:r>
+                        <a:rPr lang="en-US" sz="1100" dirty="0"/>
+                        <a:t>’] = df[‘name'].apply(lambda x: ‘ ‘.join(</a:t>
+                      </a:r>
+                      <a:r>
+                        <a:rPr lang="en-US" sz="1100" dirty="0" err="1"/>
+                        <a:t>x.lower</a:t>
+                      </a:r>
+                      <a:r>
+                        <a:rPr lang="en-US" sz="1100" dirty="0"/>
+                        <a:t>() for x in </a:t>
+                      </a:r>
+                      <a:r>
+                        <a:rPr lang="en-US" sz="1100" dirty="0" err="1"/>
+                        <a:t>x.split</a:t>
+                      </a:r>
+                      <a:r>
+                        <a:rPr lang="en-US" sz="1100" dirty="0"/>
+                        <a:t>()))</a:t>
+                      </a:r>
+                      <a:r>
+                        <a:rPr lang="en-US" sz="1100" baseline="30000" dirty="0">
+                          <a:solidFill>
+                            <a:schemeClr val="bg1">
+                              <a:lumMod val="50000"/>
+                            </a:schemeClr>
+                          </a:solidFill>
+                        </a:rPr>
+                        <a:t> </a:t>
+                      </a:r>
+                      <a:r>
+                        <a:rPr lang="en-US" sz="1100" baseline="30000" dirty="0">
+                          <a:solidFill>
+                            <a:schemeClr val="bg1">
+                              <a:lumMod val="50000"/>
+                            </a:schemeClr>
+                          </a:solidFill>
+                          <a:hlinkClick r:id="rId3" action="ppaction://hlinksldjump"/>
+                        </a:rPr>
+                        <a:t>[1]</a:t>
+                      </a:r>
+                      <a:endParaRPr lang="en-US" sz="1100" i="1" dirty="0">
+                        <a:solidFill>
+                          <a:schemeClr val="bg1">
+                            <a:lumMod val="50000"/>
+                          </a:schemeClr>
+                        </a:solidFill>
+                      </a:endParaRPr>
+                    </a:p>
+                  </a:txBody>
+                  <a:tcPr/>
+                </a:tc>
+                <a:tc>
+                  <a:txBody>
+                    <a:bodyPr/>
+                    <a:lstStyle/>
+                    <a:p>
+                      <a:r>
+                        <a:rPr lang="en-US" sz="1100" dirty="0" err="1"/>
+                        <a:t>col_ls</a:t>
+                      </a:r>
+                      <a:r>
+                        <a:rPr lang="en-US" sz="1100" dirty="0"/>
+                        <a:t> = </a:t>
+                      </a:r>
+                      <a:r>
+                        <a:rPr lang="en-US" sz="1100" dirty="0" err="1"/>
+                        <a:t>colnames</a:t>
+                      </a:r>
+                      <a:r>
+                        <a:rPr lang="en-US" sz="1100" dirty="0"/>
+                        <a:t>(df)</a:t>
+                      </a:r>
+                    </a:p>
+                    <a:p>
+                      <a:r>
+                        <a:rPr lang="en-US" sz="1100" dirty="0" err="1"/>
+                        <a:t>name_ls</a:t>
+                      </a:r>
+                      <a:r>
+                        <a:rPr lang="en-US" sz="1100" dirty="0"/>
+                        <a:t> &lt;- </a:t>
+                      </a:r>
+                      <a:r>
+                        <a:rPr lang="en-US" sz="1100" dirty="0" err="1"/>
+                        <a:t>lapply</a:t>
+                      </a:r>
+                      <a:r>
+                        <a:rPr lang="en-US" sz="1100" dirty="0"/>
+                        <a:t>(</a:t>
+                      </a:r>
+                      <a:r>
+                        <a:rPr lang="en-US" sz="1100" dirty="0" err="1"/>
+                        <a:t>df$name</a:t>
+                      </a:r>
+                      <a:r>
+                        <a:rPr lang="en-US" sz="1100" dirty="0"/>
+                        <a:t>, unique)</a:t>
+                      </a:r>
+                    </a:p>
+                    <a:p>
+                      <a:r>
+                        <a:rPr lang="en-US" sz="1100" dirty="0"/>
+                        <a:t>df &lt;- subset(df, name==‘Larry’)</a:t>
+                      </a:r>
+                    </a:p>
+                    <a:p>
+                      <a:r>
+                        <a:rPr lang="en-US" sz="1100" dirty="0" err="1"/>
+                        <a:t>df$sex</a:t>
+                      </a:r>
+                      <a:r>
+                        <a:rPr lang="en-US" sz="1100" dirty="0"/>
+                        <a:t> &lt;- c(‘M’, ’F’, ‘M’)</a:t>
+                      </a:r>
+                    </a:p>
+                    <a:p>
+                      <a:r>
+                        <a:rPr lang="en-US" sz="1100" dirty="0" err="1"/>
+                        <a:t>df$name_lowers</a:t>
+                      </a:r>
+                      <a:r>
+                        <a:rPr lang="en-US" sz="1100" dirty="0"/>
+                        <a:t> &lt;- </a:t>
+                      </a:r>
+                      <a:r>
+                        <a:rPr lang="en-IN" sz="1100" kern="1200" dirty="0" err="1">
+                          <a:solidFill>
+                            <a:schemeClr val="tx1"/>
+                          </a:solidFill>
+                          <a:latin typeface="+mn-lt"/>
+                          <a:ea typeface="+mn-ea"/>
+                          <a:cs typeface="+mn-cs"/>
+                        </a:rPr>
+                        <a:t>sapply</a:t>
+                      </a:r>
+                      <a:r>
+                        <a:rPr lang="en-IN" sz="1100" kern="1200" dirty="0">
+                          <a:solidFill>
+                            <a:schemeClr val="tx1"/>
+                          </a:solidFill>
+                          <a:latin typeface="+mn-lt"/>
+                          <a:ea typeface="+mn-ea"/>
+                          <a:cs typeface="+mn-cs"/>
+                        </a:rPr>
+                        <a:t>(</a:t>
+                      </a:r>
+                      <a:r>
+                        <a:rPr lang="en-US" sz="1100" dirty="0" err="1"/>
+                        <a:t>df$name</a:t>
+                      </a:r>
+                      <a:r>
+                        <a:rPr lang="en-IN" sz="1100" kern="1200" dirty="0">
+                          <a:solidFill>
+                            <a:schemeClr val="tx1"/>
+                          </a:solidFill>
+                          <a:latin typeface="+mn-lt"/>
+                          <a:ea typeface="+mn-ea"/>
+                          <a:cs typeface="+mn-cs"/>
+                        </a:rPr>
+                        <a:t>, </a:t>
+                      </a:r>
+                      <a:r>
+                        <a:rPr lang="en-IN" sz="1100" kern="1200" dirty="0" err="1">
+                          <a:solidFill>
+                            <a:schemeClr val="tx1"/>
+                          </a:solidFill>
+                          <a:latin typeface="+mn-lt"/>
+                          <a:ea typeface="+mn-ea"/>
+                          <a:cs typeface="+mn-cs"/>
+                        </a:rPr>
+                        <a:t>tolower</a:t>
+                      </a:r>
+                      <a:r>
+                        <a:rPr lang="en-IN" sz="1100" kern="1200" dirty="0">
+                          <a:solidFill>
+                            <a:schemeClr val="tx1"/>
+                          </a:solidFill>
+                          <a:latin typeface="+mn-lt"/>
+                          <a:ea typeface="+mn-ea"/>
+                          <a:cs typeface="+mn-cs"/>
+                        </a:rPr>
+                        <a:t>)</a:t>
+                      </a:r>
+                      <a:endParaRPr lang="en-US" sz="1100" kern="1200" dirty="0">
+                        <a:solidFill>
+                          <a:schemeClr val="tx1"/>
+                        </a:solidFill>
+                        <a:latin typeface="+mn-lt"/>
+                        <a:ea typeface="+mn-ea"/>
+                        <a:cs typeface="+mn-cs"/>
+                      </a:endParaRPr>
+                    </a:p>
+                  </a:txBody>
+                  <a:tcPr/>
+                </a:tc>
+                <a:extLst>
+                  <a:ext uri="{0D108BD9-81ED-4DB2-BD59-A6C34878D82A}">
+                    <a16:rowId xmlns:a16="http://schemas.microsoft.com/office/drawing/2014/main" val="2843776122"/>
+                  </a:ext>
+                </a:extLst>
+              </a:tr>
+              <a:tr h="283411">
+                <a:tc gridSpan="3">
+                  <a:txBody>
+                    <a:bodyPr/>
+                    <a:lstStyle/>
+                    <a:p>
+                      <a:r>
+                        <a:rPr lang="en-US" sz="1100" dirty="0"/>
+                        <a:t># </a:t>
+                      </a:r>
+                      <a:r>
+                        <a:rPr lang="en-US" sz="1100" b="1" dirty="0"/>
+                        <a:t>Functions</a:t>
+                      </a:r>
+                    </a:p>
+                  </a:txBody>
+                  <a:tcPr/>
+                </a:tc>
+                <a:tc hMerge="1">
+                  <a:txBody>
+                    <a:bodyPr/>
+                    <a:lstStyle/>
+                    <a:p>
+                      <a:pPr marL="0" marR="0" lvl="0" indent="0" algn="l" defTabSz="914400" rtl="0" eaLnBrk="1" fontAlgn="auto" latinLnBrk="0" hangingPunct="1">
+                        <a:lnSpc>
+                          <a:spcPct val="100000"/>
+                        </a:lnSpc>
+                        <a:spcBef>
+                          <a:spcPts val="0"/>
+                        </a:spcBef>
+                        <a:spcAft>
+                          <a:spcPts val="0"/>
+                        </a:spcAft>
+                        <a:buClrTx/>
+                        <a:buSzTx/>
+                        <a:buFontTx/>
+                        <a:buNone/>
+                        <a:tabLst/>
+                        <a:defRPr/>
+                      </a:pPr>
+                      <a:endParaRPr lang="en-IN" sz="1100" kern="1200" dirty="0">
+                        <a:solidFill>
+                          <a:schemeClr val="tx1"/>
+                        </a:solidFill>
+                        <a:latin typeface="+mn-lt"/>
+                        <a:ea typeface="+mn-ea"/>
+                        <a:cs typeface="+mn-cs"/>
+                      </a:endParaRPr>
+                    </a:p>
                   </a:txBody>
                   <a:tcPr/>
                 </a:tc>
@@ -5573,7 +5982,7 @@
                   </a:ext>
                 </a:extLst>
               </a:tr>
-              <a:tr h="1614552">
+              <a:tr h="1854058">
                 <a:tc>
                   <a:txBody>
                     <a:bodyPr/>
@@ -5996,7 +6405,160 @@
                     <a:bodyPr/>
                     <a:lstStyle/>
                     <a:p>
-                      <a:endParaRPr lang="en-US" sz="1200" dirty="0"/>
+                      <a:r>
+                        <a:rPr lang="en-US" sz="1100" dirty="0" err="1"/>
+                        <a:t>func_name</a:t>
+                      </a:r>
+                      <a:r>
+                        <a:rPr lang="en-US" sz="1100" dirty="0"/>
+                        <a:t> &lt;- function(arg1, arg2=1) {</a:t>
+                      </a:r>
+                    </a:p>
+                    <a:p>
+                      <a:r>
+                        <a:rPr lang="en-US" sz="1100" i="1" dirty="0">
+                          <a:solidFill>
+                            <a:schemeClr val="bg1">
+                              <a:lumMod val="50000"/>
+                            </a:schemeClr>
+                          </a:solidFill>
+                        </a:rPr>
+                        <a:t>  #’ Usage: </a:t>
+                      </a:r>
+                      <a:r>
+                        <a:rPr lang="en-IN" sz="1100" i="1" kern="1200" dirty="0" err="1">
+                          <a:solidFill>
+                            <a:schemeClr val="bg1">
+                              <a:lumMod val="50000"/>
+                            </a:schemeClr>
+                          </a:solidFill>
+                          <a:latin typeface="+mn-lt"/>
+                          <a:ea typeface="+mn-ea"/>
+                          <a:cs typeface="+mn-cs"/>
+                        </a:rPr>
+                        <a:t>func_name</a:t>
+                      </a:r>
+                      <a:r>
+                        <a:rPr lang="en-IN" sz="1100" i="1" kern="1200" dirty="0">
+                          <a:solidFill>
+                            <a:schemeClr val="bg1">
+                              <a:lumMod val="50000"/>
+                            </a:schemeClr>
+                          </a:solidFill>
+                          <a:latin typeface="+mn-lt"/>
+                          <a:ea typeface="+mn-ea"/>
+                          <a:cs typeface="+mn-cs"/>
+                        </a:rPr>
+                        <a:t>(int, int). Default value of  arg2 is 1.</a:t>
+                      </a:r>
+                    </a:p>
+                    <a:p>
+                      <a:r>
+                        <a:rPr lang="en-US" sz="1100" i="1" dirty="0">
+                          <a:solidFill>
+                            <a:schemeClr val="bg1">
+                              <a:lumMod val="50000"/>
+                            </a:schemeClr>
+                          </a:solidFill>
+                        </a:rPr>
+                        <a:t>  #’ </a:t>
+                      </a:r>
+                      <a:r>
+                        <a:rPr lang="en-US" sz="1100" i="1" kern="1200" dirty="0">
+                          <a:solidFill>
+                            <a:schemeClr val="bg1">
+                              <a:lumMod val="50000"/>
+                            </a:schemeClr>
+                          </a:solidFill>
+                          <a:latin typeface="+mn-lt"/>
+                          <a:ea typeface="+mn-ea"/>
+                          <a:cs typeface="+mn-cs"/>
+                        </a:rPr>
+                        <a:t>Result returned as list.</a:t>
+                      </a:r>
+                    </a:p>
+                    <a:p>
+                      <a:pPr marL="0" marR="0" lvl="0" indent="0" algn="l" defTabSz="914400" rtl="0" eaLnBrk="1" fontAlgn="auto" latinLnBrk="0" hangingPunct="1">
+                        <a:lnSpc>
+                          <a:spcPct val="100000"/>
+                        </a:lnSpc>
+                        <a:spcBef>
+                          <a:spcPts val="0"/>
+                        </a:spcBef>
+                        <a:spcAft>
+                          <a:spcPts val="0"/>
+                        </a:spcAft>
+                        <a:buClrTx/>
+                        <a:buSzTx/>
+                        <a:buFontTx/>
+                        <a:buNone/>
+                        <a:tabLst/>
+                        <a:defRPr/>
+                      </a:pPr>
+                      <a:r>
+                        <a:rPr lang="en-US" sz="1100" i="1" dirty="0">
+                          <a:solidFill>
+                            <a:schemeClr val="bg1">
+                              <a:lumMod val="50000"/>
+                            </a:schemeClr>
+                          </a:solidFill>
+                        </a:rPr>
+                        <a:t>  #’  list[1] is multiplied value of arg1 and arg2.  list[2] is squared value of </a:t>
+                      </a:r>
+                      <a:r>
+                        <a:rPr lang="en-US" sz="1100" i="1" dirty="0" err="1">
+                          <a:solidFill>
+                            <a:schemeClr val="bg1">
+                              <a:lumMod val="50000"/>
+                            </a:schemeClr>
+                          </a:solidFill>
+                        </a:rPr>
+                        <a:t>tup</a:t>
+                      </a:r>
+                      <a:r>
+                        <a:rPr lang="en-US" sz="1100" i="1" dirty="0">
+                          <a:solidFill>
+                            <a:schemeClr val="bg1">
+                              <a:lumMod val="50000"/>
+                            </a:schemeClr>
+                          </a:solidFill>
+                        </a:rPr>
+                        <a:t>[0].’’’</a:t>
+                      </a:r>
+                      <a:r>
+                        <a:rPr lang="en-US" sz="1100" dirty="0"/>
+                        <a:t> </a:t>
+                      </a:r>
+                    </a:p>
+                    <a:p>
+                      <a:r>
+                        <a:rPr lang="en-US" sz="1100" dirty="0"/>
+                        <a:t>  list(</a:t>
+                      </a:r>
+                    </a:p>
+                    <a:p>
+                      <a:r>
+                        <a:rPr lang="en-US" sz="1100" dirty="0"/>
+                        <a:t>    calc1 &lt;- arg1*arg2</a:t>
+                      </a:r>
+                    </a:p>
+                    <a:p>
+                      <a:r>
+                        <a:rPr lang="en-US" sz="1100" dirty="0"/>
+                        <a:t>    calc2 &lt;- calc1*calc1</a:t>
+                      </a:r>
+                    </a:p>
+                    <a:p>
+                      <a:r>
+                        <a:rPr lang="en-US" sz="1100" dirty="0"/>
+                        <a:t>  )</a:t>
+                      </a:r>
+                    </a:p>
+                    <a:p>
+                      <a:r>
+                        <a:rPr lang="en-US" sz="1100" dirty="0"/>
+                        <a:t>}</a:t>
+                      </a:r>
                     </a:p>
                   </a:txBody>
                   <a:tcPr/>
@@ -6056,14 +6618,14 @@
           <p:nvPr>
             <p:extLst>
               <p:ext uri="{D42A27DB-BD31-4B8C-83A1-F6EECF244321}">
-                <p14:modId xmlns:p14="http://schemas.microsoft.com/office/powerpoint/2010/main" val="1505004553"/>
+                <p14:modId xmlns:p14="http://schemas.microsoft.com/office/powerpoint/2010/main" val="384376006"/>
               </p:ext>
             </p:extLst>
           </p:nvPr>
         </p:nvGraphicFramePr>
         <p:xfrm>
           <a:off x="-1775" y="0"/>
-          <a:ext cx="12192001" cy="5593080"/>
+          <a:ext cx="12192001" cy="6857999"/>
         </p:xfrm>
         <a:graphic>
           <a:graphicData uri="http://schemas.openxmlformats.org/drawingml/2006/table">
@@ -6094,7 +6656,7 @@
                   </a:extLst>
                 </a:gridCol>
               </a:tblGrid>
-              <a:tr h="0">
+              <a:tr h="268631">
                 <a:tc gridSpan="3">
                   <a:txBody>
                     <a:bodyPr/>
@@ -6167,7 +6729,7 @@
                   </a:ext>
                 </a:extLst>
               </a:tr>
-              <a:tr h="0">
+              <a:tr h="442452">
                 <a:tc>
                   <a:txBody>
                     <a:bodyPr/>
@@ -6251,7 +6813,114 @@
                     <a:bodyPr/>
                     <a:lstStyle/>
                     <a:p>
-                      <a:endParaRPr lang="en-US" sz="1200" dirty="0"/>
+                      <a:r>
+                        <a:rPr lang="en-IN" sz="1100" dirty="0" err="1"/>
+                        <a:t>write.csv</a:t>
+                      </a:r>
+                      <a:r>
+                        <a:rPr lang="en-IN" sz="1100" dirty="0"/>
+                        <a:t>(df, ‘/path/to/</a:t>
+                      </a:r>
+                      <a:r>
+                        <a:rPr lang="en-IN" sz="1100" dirty="0" err="1"/>
+                        <a:t>file.csv</a:t>
+                      </a:r>
+                      <a:r>
+                        <a:rPr lang="en-IN" sz="1100" dirty="0"/>
+                        <a:t>’)</a:t>
+                      </a:r>
+                    </a:p>
+                    <a:p>
+                      <a:r>
+                        <a:rPr lang="en-IN" sz="1100" kern="1200" dirty="0" err="1">
+                          <a:solidFill>
+                            <a:schemeClr val="tx1"/>
+                          </a:solidFill>
+                          <a:latin typeface="+mn-lt"/>
+                          <a:ea typeface="+mn-ea"/>
+                          <a:cs typeface="+mn-cs"/>
+                        </a:rPr>
+                        <a:t>write.xlsx</a:t>
+                      </a:r>
+                      <a:r>
+                        <a:rPr lang="en-IN" sz="1100" kern="1200" dirty="0">
+                          <a:solidFill>
+                            <a:schemeClr val="tx1"/>
+                          </a:solidFill>
+                          <a:latin typeface="+mn-lt"/>
+                          <a:ea typeface="+mn-ea"/>
+                          <a:cs typeface="+mn-cs"/>
+                        </a:rPr>
+                        <a:t>(df, </a:t>
+                      </a:r>
+                      <a:r>
+                        <a:rPr lang="en-US" sz="1100" dirty="0"/>
+                        <a:t>‘/</a:t>
+                      </a:r>
+                      <a:r>
+                        <a:rPr lang="en-US" sz="1100" dirty="0" err="1"/>
+                        <a:t>path’to’file.xlsx</a:t>
+                      </a:r>
+                      <a:r>
+                        <a:rPr lang="en-US" sz="1100" dirty="0"/>
+                        <a:t>’</a:t>
+                      </a:r>
+                      <a:r>
+                        <a:rPr lang="en-IN" sz="1100" kern="1200" dirty="0">
+                          <a:solidFill>
+                            <a:schemeClr val="tx1"/>
+                          </a:solidFill>
+                          <a:latin typeface="+mn-lt"/>
+                          <a:ea typeface="+mn-ea"/>
+                          <a:cs typeface="+mn-cs"/>
+                        </a:rPr>
+                        <a:t>, </a:t>
+                      </a:r>
+                      <a:r>
+                        <a:rPr lang="en-IN" sz="1100" kern="1200" dirty="0" err="1">
+                          <a:solidFill>
+                            <a:schemeClr val="tx1"/>
+                          </a:solidFill>
+                          <a:latin typeface="+mn-lt"/>
+                          <a:ea typeface="+mn-ea"/>
+                          <a:cs typeface="+mn-cs"/>
+                        </a:rPr>
+                        <a:t>sheetName</a:t>
+                      </a:r>
+                      <a:r>
+                        <a:rPr lang="en-IN" sz="1100" kern="1200" dirty="0">
+                          <a:solidFill>
+                            <a:schemeClr val="tx1"/>
+                          </a:solidFill>
+                          <a:latin typeface="+mn-lt"/>
+                          <a:ea typeface="+mn-ea"/>
+                          <a:cs typeface="+mn-cs"/>
+                        </a:rPr>
+                        <a:t>=‘</a:t>
+                      </a:r>
+                      <a:r>
+                        <a:rPr lang="en-US" sz="1100" dirty="0"/>
+                        <a:t>df_1</a:t>
+                      </a:r>
+                      <a:r>
+                        <a:rPr lang="en-IN" sz="1100" kern="1200" dirty="0">
+                          <a:solidFill>
+                            <a:schemeClr val="tx1"/>
+                          </a:solidFill>
+                          <a:latin typeface="+mn-lt"/>
+                          <a:ea typeface="+mn-ea"/>
+                          <a:cs typeface="+mn-cs"/>
+                        </a:rPr>
+                        <a:t>’)</a:t>
+                      </a:r>
+                      <a:endParaRPr lang="en-US" sz="1100" kern="1200" dirty="0">
+                        <a:solidFill>
+                          <a:schemeClr val="tx1"/>
+                        </a:solidFill>
+                        <a:latin typeface="+mn-lt"/>
+                        <a:ea typeface="+mn-ea"/>
+                        <a:cs typeface="+mn-cs"/>
+                      </a:endParaRPr>
                     </a:p>
                   </a:txBody>
                   <a:tcPr/>
@@ -6262,7 +6931,7 @@
                   </a:ext>
                 </a:extLst>
               </a:tr>
-              <a:tr h="0">
+              <a:tr h="268631">
                 <a:tc gridSpan="3">
                   <a:txBody>
                     <a:bodyPr/>
@@ -6307,13 +6976,16 @@
                   </a:ext>
                 </a:extLst>
               </a:tr>
-              <a:tr h="0">
+              <a:tr h="1311553">
                 <a:tc>
                   <a:txBody>
                     <a:bodyPr/>
                     <a:lstStyle/>
                     <a:p>
-                      <a:endParaRPr lang="en-US" sz="1100" dirty="0"/>
+                      <a:r>
+                        <a:rPr lang="en-US" sz="1100" dirty="0"/>
+                        <a:t>Loop over a range of data and perform certain operation based on a condition</a:t>
+                      </a:r>
                     </a:p>
                   </a:txBody>
                   <a:tcPr/>
@@ -6503,7 +7175,7 @@
                           <a:ea typeface="+mn-ea"/>
                           <a:cs typeface="+mn-cs"/>
                         </a:rPr>
-                        <a:t>        print(str(df['name'].</a:t>
+                        <a:t>        print(f”{df['name'].</a:t>
                       </a:r>
                       <a:r>
                         <a:rPr lang="en-IN" sz="1100" kern="1200" dirty="0" err="1">
@@ -6547,7 +7219,7 @@
                           <a:ea typeface="+mn-ea"/>
                           <a:cs typeface="+mn-cs"/>
                         </a:rPr>
-                        <a:t>]) + ' is ' + str(</a:t>
+                        <a:t>]}  is {</a:t>
                       </a:r>
                       <a:r>
                         <a:rPr lang="en-IN" sz="1100" kern="1200" dirty="0" err="1">
@@ -6558,7 +7230,7 @@
                           <a:ea typeface="+mn-ea"/>
                           <a:cs typeface="+mn-cs"/>
                         </a:rPr>
-                        <a:t>np.round</a:t>
+                        <a:t>numpy.round</a:t>
                       </a:r>
                       <a:r>
                         <a:rPr lang="en-IN" sz="1100" kern="1200" dirty="0">
@@ -6613,10 +7285,19 @@
                           <a:ea typeface="+mn-ea"/>
                           <a:cs typeface="+mn-cs"/>
                         </a:rPr>
-                        <a:t>] -  </a:t>
-                      </a:r>
-                    </a:p>
-                    <a:p>
+                        <a:t>] -</a:t>
+                      </a:r>
+                      <a:r>
+                        <a:rPr lang="en-IN" sz="1100" kern="1200" dirty="0" err="1">
+                          <a:solidFill>
+                            <a:schemeClr val="tx1"/>
+                          </a:solidFill>
+                          <a:latin typeface="+mn-lt"/>
+                          <a:ea typeface="+mn-ea"/>
+                          <a:cs typeface="+mn-cs"/>
+                        </a:rPr>
+                        <a:t>mean_age</a:t>
+                      </a:r>
                       <a:r>
                         <a:rPr lang="en-IN" sz="1100" kern="1200" dirty="0">
                           <a:solidFill>
@@ -6626,19 +7307,10 @@
                           <a:ea typeface="+mn-ea"/>
                           <a:cs typeface="+mn-cs"/>
                         </a:rPr>
-                        <a:t>        </a:t>
-                      </a:r>
-                      <a:r>
-                        <a:rPr lang="en-IN" sz="1100" kern="1200" dirty="0" err="1">
-                          <a:solidFill>
-                            <a:schemeClr val="tx1"/>
-                          </a:solidFill>
-                          <a:latin typeface="+mn-lt"/>
-                          <a:ea typeface="+mn-ea"/>
-                          <a:cs typeface="+mn-cs"/>
-                        </a:rPr>
-                        <a:t>mean_age</a:t>
-                      </a:r>
+                        <a:t>),1)}</a:t>
+                      </a:r>
+                    </a:p>
+                    <a:p>
                       <a:r>
                         <a:rPr lang="en-IN" sz="1100" kern="1200" dirty="0">
                           <a:solidFill>
@@ -6648,7 +7320,7 @@
                           <a:ea typeface="+mn-ea"/>
                           <a:cs typeface="+mn-cs"/>
                         </a:rPr>
-                        <a:t>),1))+ ' years older than group mean age.’) </a:t>
+                        <a:t>        years older than group mean age.”) </a:t>
                       </a:r>
                       <a:r>
                         <a:rPr lang="en-US" sz="1100" baseline="30000" dirty="0">
@@ -6678,7 +7350,136 @@
                     <a:bodyPr/>
                     <a:lstStyle/>
                     <a:p>
-                      <a:endParaRPr lang="en-US" sz="1200" dirty="0"/>
+                      <a:r>
+                        <a:rPr lang="en-US" sz="1100" dirty="0"/>
+                        <a:t>for(</a:t>
+                      </a:r>
+                      <a:r>
+                        <a:rPr lang="en-US" sz="1100" dirty="0" err="1"/>
+                        <a:t>i</a:t>
+                      </a:r>
+                      <a:r>
+                        <a:rPr lang="en-US" sz="1100" dirty="0"/>
+                        <a:t> in </a:t>
+                      </a:r>
+                      <a:r>
+                        <a:rPr lang="en-US" sz="1100" dirty="0" err="1"/>
+                        <a:t>nrow</a:t>
+                      </a:r>
+                      <a:r>
+                        <a:rPr lang="en-US" sz="1100" dirty="0"/>
+                        <a:t>(df)) {</a:t>
+                      </a:r>
+                    </a:p>
+                    <a:p>
+                      <a:r>
+                        <a:rPr lang="en-US" sz="1100" dirty="0"/>
+                        <a:t> </a:t>
+                      </a:r>
+                      <a:r>
+                        <a:rPr lang="en-US" sz="1100" dirty="0" err="1"/>
+                        <a:t>mean_age</a:t>
+                      </a:r>
+                      <a:r>
+                        <a:rPr lang="en-US" sz="1100" dirty="0"/>
+                        <a:t> &lt;- mean(</a:t>
+                      </a:r>
+                      <a:r>
+                        <a:rPr lang="en-US" sz="1100" dirty="0" err="1"/>
+                        <a:t>df$age</a:t>
+                      </a:r>
+                      <a:r>
+                        <a:rPr lang="en-US" sz="1100" dirty="0"/>
+                        <a:t>)</a:t>
+                      </a:r>
+                    </a:p>
+                    <a:p>
+                      <a:r>
+                        <a:rPr lang="en-US" sz="1100" dirty="0"/>
+                        <a:t> if(</a:t>
+                      </a:r>
+                      <a:r>
+                        <a:rPr lang="en-US" sz="1100" dirty="0" err="1"/>
+                        <a:t>df$age</a:t>
+                      </a:r>
+                      <a:r>
+                        <a:rPr lang="en-US" sz="1100" dirty="0"/>
+                        <a:t>[</a:t>
+                      </a:r>
+                      <a:r>
+                        <a:rPr lang="en-US" sz="1100" dirty="0" err="1"/>
+                        <a:t>i</a:t>
+                      </a:r>
+                      <a:r>
+                        <a:rPr lang="en-US" sz="1100" dirty="0"/>
+                        <a:t>] &gt;= </a:t>
+                      </a:r>
+                      <a:r>
+                        <a:rPr lang="en-US" sz="1100" dirty="0" err="1"/>
+                        <a:t>mean_age</a:t>
+                      </a:r>
+                      <a:r>
+                        <a:rPr lang="en-US" sz="1100" dirty="0"/>
+                        <a:t>) {</a:t>
+                      </a:r>
+                    </a:p>
+                    <a:p>
+                      <a:r>
+                        <a:rPr lang="en-US" sz="1100" dirty="0"/>
+                        <a:t>print(paste0(</a:t>
+                      </a:r>
+                      <a:r>
+                        <a:rPr lang="en-US" sz="1100" dirty="0" err="1"/>
+                        <a:t>df$name</a:t>
+                      </a:r>
+                      <a:r>
+                        <a:rPr lang="en-US" sz="1100" dirty="0"/>
+                        <a:t>[</a:t>
+                      </a:r>
+                      <a:r>
+                        <a:rPr lang="en-US" sz="1100" dirty="0" err="1"/>
+                        <a:t>i</a:t>
+                      </a:r>
+                      <a:r>
+                        <a:rPr lang="en-US" sz="1100" dirty="0"/>
+                        <a:t>], ' is ', round(</a:t>
+                      </a:r>
+                      <a:r>
+                        <a:rPr lang="en-US" sz="1100" dirty="0" err="1"/>
+                        <a:t>df$age</a:t>
+                      </a:r>
+                      <a:r>
+                        <a:rPr lang="en-US" sz="1100" dirty="0"/>
+                        <a:t>[</a:t>
+                      </a:r>
+                      <a:r>
+                        <a:rPr lang="en-US" sz="1100" dirty="0" err="1"/>
+                        <a:t>i</a:t>
+                      </a:r>
+                      <a:r>
+                        <a:rPr lang="en-US" sz="1100" dirty="0"/>
+                        <a:t>]-</a:t>
+                      </a:r>
+                      <a:r>
+                        <a:rPr lang="en-US" sz="1100" dirty="0" err="1"/>
+                        <a:t>mean_age,digits</a:t>
+                      </a:r>
+                      <a:r>
+                        <a:rPr lang="en-US" sz="1100" dirty="0"/>
+                        <a:t>=1), ' years older than group mean age.’))</a:t>
+                      </a:r>
+                    </a:p>
+                    <a:p>
+                      <a:r>
+                        <a:rPr lang="en-US" sz="1100" dirty="0"/>
+                        <a:t>    }</a:t>
+                      </a:r>
+                    </a:p>
+                    <a:p>
+                      <a:r>
+                        <a:rPr lang="en-US" sz="1100" dirty="0"/>
+                        <a:t>}</a:t>
+                      </a:r>
                     </a:p>
                   </a:txBody>
                   <a:tcPr/>
@@ -6689,7 +7490,7 @@
                   </a:ext>
                 </a:extLst>
               </a:tr>
-              <a:tr h="0">
+              <a:tr h="268631">
                 <a:tc gridSpan="3">
                   <a:txBody>
                     <a:bodyPr/>
@@ -6745,7 +7546,7 @@
                   </a:ext>
                 </a:extLst>
               </a:tr>
-              <a:tr h="0">
+              <a:tr h="1833014">
                 <a:tc>
                   <a:txBody>
                     <a:bodyPr/>
@@ -6983,7 +7784,7 @@
                           <a:ea typeface="+mn-ea"/>
                           <a:cs typeface="+mn-cs"/>
                         </a:rPr>
-                        <a:t># This creates a copy of original df. Any changes to df reflects automatically in </a:t>
+                        <a:t># This creates a copy of original df. Any changes to pdf reflects automatically in </a:t>
                       </a:r>
                       <a:r>
                         <a:rPr lang="en-US" sz="1100" i="1" kern="1200" dirty="0" err="1">
@@ -7160,7 +7961,116 @@
                     <a:bodyPr/>
                     <a:lstStyle/>
                     <a:p>
-                      <a:endParaRPr lang="en-US" sz="1200" dirty="0"/>
+                      <a:pPr marL="0" marR="0" lvl="0" indent="0" algn="l" defTabSz="914400" rtl="0" eaLnBrk="1" fontAlgn="auto" latinLnBrk="0" hangingPunct="1">
+                        <a:lnSpc>
+                          <a:spcPct val="100000"/>
+                        </a:lnSpc>
+                        <a:spcBef>
+                          <a:spcPts val="0"/>
+                        </a:spcBef>
+                        <a:spcAft>
+                          <a:spcPts val="0"/>
+                        </a:spcAft>
+                        <a:buClrTx/>
+                        <a:buSzTx/>
+                        <a:buFontTx/>
+                        <a:buNone/>
+                        <a:tabLst/>
+                        <a:defRPr/>
+                      </a:pPr>
+                      <a:r>
+                        <a:rPr lang="en-US" sz="1100" i="1" kern="1200" dirty="0">
+                          <a:solidFill>
+                            <a:schemeClr val="bg1">
+                              <a:lumMod val="50000"/>
+                            </a:schemeClr>
+                          </a:solidFill>
+                          <a:latin typeface="+mn-lt"/>
+                          <a:ea typeface="+mn-ea"/>
+                          <a:cs typeface="+mn-cs"/>
+                        </a:rPr>
+                        <a:t># Delete </a:t>
+                      </a:r>
+                      <a:r>
+                        <a:rPr lang="en-US" sz="1100" i="1" kern="1200" dirty="0" err="1">
+                          <a:solidFill>
+                            <a:schemeClr val="bg1">
+                              <a:lumMod val="50000"/>
+                            </a:schemeClr>
+                          </a:solidFill>
+                          <a:latin typeface="+mn-lt"/>
+                          <a:ea typeface="+mn-ea"/>
+                          <a:cs typeface="+mn-cs"/>
+                        </a:rPr>
+                        <a:t>mean_age</a:t>
+                      </a:r>
+                      <a:r>
+                        <a:rPr lang="en-US" sz="1100" i="1" kern="1200" dirty="0">
+                          <a:solidFill>
+                            <a:schemeClr val="bg1">
+                              <a:lumMod val="50000"/>
+                            </a:schemeClr>
+                          </a:solidFill>
+                          <a:latin typeface="+mn-lt"/>
+                          <a:ea typeface="+mn-ea"/>
+                          <a:cs typeface="+mn-cs"/>
+                        </a:rPr>
+                        <a:t> calculated during looping</a:t>
+                      </a:r>
+                      <a:endParaRPr lang="en-US" sz="1100" dirty="0"/>
+                    </a:p>
+                    <a:p>
+                      <a:r>
+                        <a:rPr lang="en-US" sz="1100" dirty="0"/>
+                        <a:t>rm(</a:t>
+                      </a:r>
+                      <a:r>
+                        <a:rPr lang="en-US" sz="1100" dirty="0" err="1"/>
+                        <a:t>mean_age</a:t>
+                      </a:r>
+                      <a:r>
+                        <a:rPr lang="en-US" sz="1100" dirty="0"/>
+                        <a:t>)</a:t>
+                      </a:r>
+                    </a:p>
+                    <a:p>
+                      <a:endParaRPr lang="en-US" sz="1100" dirty="0"/>
+                    </a:p>
+                    <a:p>
+                      <a:endParaRPr lang="en-US" sz="1100" dirty="0"/>
+                    </a:p>
+                    <a:p>
+                      <a:endParaRPr lang="en-US" sz="1100" dirty="0"/>
+                    </a:p>
+                    <a:p>
+                      <a:endParaRPr lang="en-US" sz="1100" dirty="0"/>
+                    </a:p>
+                    <a:p>
+                      <a:endParaRPr lang="en-US" sz="1100" dirty="0"/>
+                    </a:p>
+                    <a:p>
+                      <a:endParaRPr lang="en-US" sz="1100" dirty="0"/>
+                    </a:p>
+                    <a:p>
+                      <a:endParaRPr lang="en-US" sz="1100" dirty="0"/>
+                    </a:p>
+                    <a:p>
+                      <a:r>
+                        <a:rPr lang="en-US" sz="1100" dirty="0" err="1"/>
+                        <a:t>df_dup</a:t>
+                      </a:r>
+                      <a:r>
+                        <a:rPr lang="en-US" sz="1100" dirty="0"/>
+                        <a:t> &lt;- </a:t>
+                      </a:r>
+                      <a:r>
+                        <a:rPr lang="en-US" sz="1100" dirty="0" err="1"/>
+                        <a:t>data.frame</a:t>
+                      </a:r>
+                      <a:r>
+                        <a:rPr lang="en-US" sz="1100" dirty="0"/>
+                        <a:t>(df)</a:t>
+                      </a:r>
                     </a:p>
                   </a:txBody>
                   <a:tcPr/>
@@ -7171,7 +8081,7 @@
                   </a:ext>
                 </a:extLst>
               </a:tr>
-              <a:tr h="0">
+              <a:tr h="268631">
                 <a:tc gridSpan="3">
                   <a:txBody>
                     <a:bodyPr/>
@@ -7240,7 +8150,7 @@
                   </a:ext>
                 </a:extLst>
               </a:tr>
-              <a:tr h="0">
+              <a:tr h="1485373">
                 <a:tc>
                   <a:txBody>
                     <a:bodyPr/>
@@ -7351,7 +8261,7 @@
                       </a:pPr>
                       <a:r>
                         <a:rPr lang="en-US" sz="1100" dirty="0"/>
-                        <a:t>Import the package within the python interactive module</a:t>
+                        <a:t>Import the package within the interactive module</a:t>
                       </a:r>
                     </a:p>
                   </a:txBody>
@@ -7393,7 +8303,7 @@
                       </a:r>
                       <a:r>
                         <a:rPr lang="en-US" sz="1100" dirty="0"/>
-                        <a:t>-learn </a:t>
+                        <a:t>-learn</a:t>
                       </a:r>
                     </a:p>
                     <a:p>
@@ -7583,7 +8493,29 @@
                           <a:ea typeface="+mn-ea"/>
                           <a:cs typeface="+mn-cs"/>
                         </a:rPr>
-                        <a:t>import module </a:t>
+                        <a:t>import </a:t>
+                      </a:r>
+                      <a:r>
+                        <a:rPr lang="en-US" sz="1100" kern="1200" dirty="0" err="1">
+                          <a:solidFill>
+                            <a:schemeClr val="tx1"/>
+                          </a:solidFill>
+                          <a:latin typeface="+mn-lt"/>
+                          <a:ea typeface="+mn-ea"/>
+                          <a:cs typeface="+mn-cs"/>
+                        </a:rPr>
+                        <a:t>PackageName</a:t>
+                      </a:r>
+                      <a:r>
+                        <a:rPr lang="en-US" sz="1100" kern="1200" dirty="0">
+                          <a:solidFill>
+                            <a:schemeClr val="tx1"/>
+                          </a:solidFill>
+                          <a:latin typeface="+mn-lt"/>
+                          <a:ea typeface="+mn-ea"/>
+                          <a:cs typeface="+mn-cs"/>
+                        </a:rPr>
+                        <a:t> </a:t>
                       </a:r>
                       <a:r>
                         <a:rPr lang="en-US" sz="1100" i="1" kern="1200" dirty="0">
@@ -7607,7 +8539,29 @@
                           <a:ea typeface="+mn-ea"/>
                           <a:cs typeface="+mn-cs"/>
                         </a:rPr>
-                        <a:t>from module import *</a:t>
+                        <a:t>from </a:t>
+                      </a:r>
+                      <a:r>
+                        <a:rPr lang="en-US" sz="1100" kern="1200" dirty="0" err="1">
+                          <a:solidFill>
+                            <a:schemeClr val="tx1"/>
+                          </a:solidFill>
+                          <a:latin typeface="+mn-lt"/>
+                          <a:ea typeface="+mn-ea"/>
+                          <a:cs typeface="+mn-cs"/>
+                        </a:rPr>
+                        <a:t>PackageName</a:t>
+                      </a:r>
+                      <a:r>
+                        <a:rPr lang="en-US" sz="1100" kern="1200" dirty="0">
+                          <a:solidFill>
+                            <a:schemeClr val="tx1"/>
+                          </a:solidFill>
+                          <a:latin typeface="+mn-lt"/>
+                          <a:ea typeface="+mn-ea"/>
+                          <a:cs typeface="+mn-cs"/>
+                        </a:rPr>
+                        <a:t> import *</a:t>
                       </a:r>
                     </a:p>
                     <a:p>
@@ -7637,7 +8591,29 @@
                           <a:ea typeface="+mn-ea"/>
                           <a:cs typeface="+mn-cs"/>
                         </a:rPr>
-                        <a:t>from module import method </a:t>
+                        <a:t>from </a:t>
+                      </a:r>
+                      <a:r>
+                        <a:rPr lang="en-US" sz="1100" kern="1200" dirty="0" err="1">
+                          <a:solidFill>
+                            <a:schemeClr val="tx1"/>
+                          </a:solidFill>
+                          <a:latin typeface="+mn-lt"/>
+                          <a:ea typeface="+mn-ea"/>
+                          <a:cs typeface="+mn-cs"/>
+                        </a:rPr>
+                        <a:t>PackageName</a:t>
+                      </a:r>
+                      <a:r>
+                        <a:rPr lang="en-US" sz="1100" kern="1200" dirty="0">
+                          <a:solidFill>
+                            <a:schemeClr val="tx1"/>
+                          </a:solidFill>
+                          <a:latin typeface="+mn-lt"/>
+                          <a:ea typeface="+mn-ea"/>
+                          <a:cs typeface="+mn-cs"/>
+                        </a:rPr>
+                        <a:t> import Module </a:t>
                       </a:r>
                       <a:r>
                         <a:rPr lang="en-US" sz="1100" i="1" kern="1200" dirty="0">
@@ -7672,7 +8648,7 @@
                           <a:ea typeface="+mn-ea"/>
                           <a:cs typeface="+mn-cs"/>
                         </a:rPr>
-                        <a:t>module.method</a:t>
+                        <a:t>PackageName.Module</a:t>
                       </a:r>
                       <a:endParaRPr lang="en-US" sz="1100" kern="1200" dirty="0">
                         <a:solidFill>
@@ -7691,7 +8667,152 @@
                     <a:bodyPr/>
                     <a:lstStyle/>
                     <a:p>
-                      <a:endParaRPr lang="en-US" sz="1200" dirty="0"/>
+                      <a:r>
+                        <a:rPr lang="en-US" sz="1100" dirty="0" err="1"/>
+                        <a:t>dplyr</a:t>
+                      </a:r>
+                      <a:r>
+                        <a:rPr lang="en-US" sz="1100" dirty="0"/>
+                        <a:t>, </a:t>
+                      </a:r>
+                      <a:r>
+                        <a:rPr lang="en-US" sz="1100" dirty="0" err="1"/>
+                        <a:t>tidyr</a:t>
+                      </a:r>
+                      <a:r>
+                        <a:rPr lang="en-US" sz="1100" dirty="0"/>
+                        <a:t>, ggplot2, </a:t>
+                      </a:r>
+                      <a:r>
+                        <a:rPr lang="en-US" sz="1100" dirty="0" err="1"/>
+                        <a:t>ggvis</a:t>
+                      </a:r>
+                      <a:r>
+                        <a:rPr lang="en-US" sz="1100" dirty="0"/>
+                        <a:t>, shiny</a:t>
+                      </a:r>
+                    </a:p>
+                    <a:p>
+                      <a:endParaRPr lang="en-US" sz="1100" dirty="0"/>
+                    </a:p>
+                    <a:p>
+                      <a:endParaRPr lang="en-IN" sz="1100" kern="1200" dirty="0">
+                        <a:solidFill>
+                          <a:schemeClr val="tx1"/>
+                        </a:solidFill>
+                        <a:latin typeface="+mn-lt"/>
+                        <a:ea typeface="+mn-ea"/>
+                        <a:cs typeface="+mn-cs"/>
+                      </a:endParaRPr>
+                    </a:p>
+                    <a:p>
+                      <a:r>
+                        <a:rPr lang="en-IN" sz="1100" kern="1200" dirty="0" err="1">
+                          <a:solidFill>
+                            <a:schemeClr val="tx1"/>
+                          </a:solidFill>
+                          <a:latin typeface="+mn-lt"/>
+                          <a:ea typeface="+mn-ea"/>
+                          <a:cs typeface="+mn-cs"/>
+                        </a:rPr>
+                        <a:t>install.packages</a:t>
+                      </a:r>
+                      <a:r>
+                        <a:rPr lang="en-IN" sz="1100" kern="1200" dirty="0">
+                          <a:solidFill>
+                            <a:schemeClr val="tx1"/>
+                          </a:solidFill>
+                          <a:latin typeface="+mn-lt"/>
+                          <a:ea typeface="+mn-ea"/>
+                          <a:cs typeface="+mn-cs"/>
+                        </a:rPr>
+                        <a:t>(”</a:t>
+                      </a:r>
+                      <a:r>
+                        <a:rPr lang="en-IN" sz="1100" kern="1200" dirty="0" err="1">
+                          <a:solidFill>
+                            <a:schemeClr val="tx1"/>
+                          </a:solidFill>
+                          <a:latin typeface="+mn-lt"/>
+                          <a:ea typeface="+mn-ea"/>
+                          <a:cs typeface="+mn-cs"/>
+                        </a:rPr>
+                        <a:t>PackageName</a:t>
+                      </a:r>
+                      <a:r>
+                        <a:rPr lang="en-IN" sz="1100" kern="1200" dirty="0">
+                          <a:solidFill>
+                            <a:schemeClr val="tx1"/>
+                          </a:solidFill>
+                          <a:latin typeface="+mn-lt"/>
+                          <a:ea typeface="+mn-ea"/>
+                          <a:cs typeface="+mn-cs"/>
+                        </a:rPr>
+                        <a:t>”)</a:t>
+                      </a:r>
+                    </a:p>
+                    <a:p>
+                      <a:endParaRPr lang="en-IN" sz="1100" kern="1200" dirty="0">
+                        <a:solidFill>
+                          <a:schemeClr val="tx1"/>
+                        </a:solidFill>
+                        <a:latin typeface="+mn-lt"/>
+                        <a:ea typeface="+mn-ea"/>
+                        <a:cs typeface="+mn-cs"/>
+                      </a:endParaRPr>
+                    </a:p>
+                    <a:p>
+                      <a:endParaRPr lang="en-IN" sz="1100" kern="1200" dirty="0">
+                        <a:solidFill>
+                          <a:schemeClr val="tx1"/>
+                        </a:solidFill>
+                        <a:latin typeface="+mn-lt"/>
+                        <a:ea typeface="+mn-ea"/>
+                        <a:cs typeface="+mn-cs"/>
+                      </a:endParaRPr>
+                    </a:p>
+                    <a:p>
+                      <a:r>
+                        <a:rPr lang="en-IN" sz="1100" kern="1200" dirty="0">
+                          <a:solidFill>
+                            <a:schemeClr val="tx1"/>
+                          </a:solidFill>
+                          <a:latin typeface="+mn-lt"/>
+                          <a:ea typeface="+mn-ea"/>
+                          <a:cs typeface="+mn-cs"/>
+                        </a:rPr>
+                        <a:t>library(“</a:t>
+                      </a:r>
+                      <a:r>
+                        <a:rPr lang="en-IN" sz="1100" kern="1200" dirty="0" err="1">
+                          <a:solidFill>
+                            <a:schemeClr val="tx1"/>
+                          </a:solidFill>
+                          <a:latin typeface="+mn-lt"/>
+                          <a:ea typeface="+mn-ea"/>
+                          <a:cs typeface="+mn-cs"/>
+                        </a:rPr>
+                        <a:t>PackageName</a:t>
+                      </a:r>
+                      <a:r>
+                        <a:rPr lang="en-IN" sz="1100" kern="1200" dirty="0">
+                          <a:solidFill>
+                            <a:schemeClr val="tx1"/>
+                          </a:solidFill>
+                          <a:latin typeface="+mn-lt"/>
+                          <a:ea typeface="+mn-ea"/>
+                          <a:cs typeface="+mn-cs"/>
+                        </a:rPr>
+                        <a:t>”)</a:t>
+                      </a:r>
+                      <a:endParaRPr lang="en-US" sz="1100" kern="1200" dirty="0">
+                        <a:solidFill>
+                          <a:schemeClr val="tx1"/>
+                        </a:solidFill>
+                        <a:latin typeface="+mn-lt"/>
+                        <a:ea typeface="+mn-ea"/>
+                        <a:cs typeface="+mn-cs"/>
+                      </a:endParaRPr>
                     </a:p>
                   </a:txBody>
                   <a:tcPr/>
@@ -7699,6 +8820,407 @@
                 <a:extLst>
                   <a:ext uri="{0D108BD9-81ED-4DB2-BD59-A6C34878D82A}">
                     <a16:rowId xmlns:a16="http://schemas.microsoft.com/office/drawing/2014/main" val="2033089281"/>
+                  </a:ext>
+                </a:extLst>
+              </a:tr>
+              <a:tr h="268631">
+                <a:tc gridSpan="3">
+                  <a:txBody>
+                    <a:bodyPr/>
+                    <a:lstStyle/>
+                    <a:p>
+                      <a:r>
+                        <a:rPr lang="en-US" sz="1100" dirty="0"/>
+                        <a:t> # </a:t>
+                      </a:r>
+                      <a:r>
+                        <a:rPr lang="en-US" sz="1100" b="1" dirty="0"/>
+                        <a:t>Visualize </a:t>
+                      </a:r>
+                    </a:p>
+                  </a:txBody>
+                  <a:tcPr/>
+                </a:tc>
+                <a:tc hMerge="1">
+                  <a:txBody>
+                    <a:bodyPr/>
+                    <a:lstStyle/>
+                    <a:p>
+                      <a:endParaRPr lang="en-US" sz="1100" i="1" dirty="0">
+                        <a:solidFill>
+                          <a:schemeClr val="bg1">
+                            <a:lumMod val="50000"/>
+                          </a:schemeClr>
+                        </a:solidFill>
+                      </a:endParaRPr>
+                    </a:p>
+                  </a:txBody>
+                  <a:tcPr/>
+                </a:tc>
+                <a:tc hMerge="1">
+                  <a:txBody>
+                    <a:bodyPr/>
+                    <a:lstStyle/>
+                    <a:p>
+                      <a:endParaRPr lang="en-US" sz="1200" dirty="0"/>
+                    </a:p>
+                  </a:txBody>
+                  <a:tcPr/>
+                </a:tc>
+                <a:extLst>
+                  <a:ext uri="{0D108BD9-81ED-4DB2-BD59-A6C34878D82A}">
+                    <a16:rowId xmlns:a16="http://schemas.microsoft.com/office/drawing/2014/main" val="3054565376"/>
+                  </a:ext>
+                </a:extLst>
+              </a:tr>
+              <a:tr h="442452">
+                <a:tc>
+                  <a:txBody>
+                    <a:bodyPr/>
+                    <a:lstStyle/>
+                    <a:p>
+                      <a:r>
+                        <a:rPr lang="en-US" sz="1100" dirty="0"/>
+                        <a:t>Unique items count (df)</a:t>
+                      </a:r>
+                    </a:p>
+                    <a:p>
+                      <a:r>
+                        <a:rPr lang="en-US" sz="1100" dirty="0"/>
+                        <a:t>Count of items (col)</a:t>
+                      </a:r>
+                    </a:p>
+                  </a:txBody>
+                  <a:tcPr/>
+                </a:tc>
+                <a:tc>
+                  <a:txBody>
+                    <a:bodyPr/>
+                    <a:lstStyle/>
+                    <a:p>
+                      <a:pPr marL="0" marR="0" lvl="0" indent="0" algn="l" defTabSz="914400" rtl="0" eaLnBrk="1" fontAlgn="auto" latinLnBrk="0" hangingPunct="1">
+                        <a:lnSpc>
+                          <a:spcPct val="100000"/>
+                        </a:lnSpc>
+                        <a:spcBef>
+                          <a:spcPts val="0"/>
+                        </a:spcBef>
+                        <a:spcAft>
+                          <a:spcPts val="0"/>
+                        </a:spcAft>
+                        <a:buClrTx/>
+                        <a:buSzTx/>
+                        <a:buFontTx/>
+                        <a:buNone/>
+                        <a:tabLst/>
+                        <a:defRPr/>
+                      </a:pPr>
+                      <a:r>
+                        <a:rPr lang="en-IN" sz="1100" kern="1200" dirty="0" err="1">
+                          <a:solidFill>
+                            <a:schemeClr val="tx1"/>
+                          </a:solidFill>
+                          <a:latin typeface="+mn-lt"/>
+                          <a:ea typeface="+mn-ea"/>
+                          <a:cs typeface="+mn-cs"/>
+                        </a:rPr>
+                        <a:t>df.nunique</a:t>
+                      </a:r>
+                      <a:r>
+                        <a:rPr lang="en-IN" sz="1100" kern="1200" dirty="0">
+                          <a:solidFill>
+                            <a:schemeClr val="tx1"/>
+                          </a:solidFill>
+                          <a:latin typeface="+mn-lt"/>
+                          <a:ea typeface="+mn-ea"/>
+                          <a:cs typeface="+mn-cs"/>
+                        </a:rPr>
+                        <a:t>().</a:t>
+                      </a:r>
+                      <a:r>
+                        <a:rPr lang="en-IN" sz="1100" kern="1200" dirty="0" err="1">
+                          <a:solidFill>
+                            <a:schemeClr val="tx1"/>
+                          </a:solidFill>
+                          <a:latin typeface="+mn-lt"/>
+                          <a:ea typeface="+mn-ea"/>
+                          <a:cs typeface="+mn-cs"/>
+                        </a:rPr>
+                        <a:t>plot.bar</a:t>
+                      </a:r>
+                      <a:r>
+                        <a:rPr lang="en-IN" sz="1100" kern="1200" dirty="0">
+                          <a:solidFill>
+                            <a:schemeClr val="tx1"/>
+                          </a:solidFill>
+                          <a:latin typeface="+mn-lt"/>
+                          <a:ea typeface="+mn-ea"/>
+                          <a:cs typeface="+mn-cs"/>
+                        </a:rPr>
+                        <a:t>(rot = 0)</a:t>
+                      </a:r>
+                      <a:r>
+                        <a:rPr lang="en-US" sz="1100" baseline="30000" dirty="0">
+                          <a:solidFill>
+                            <a:schemeClr val="bg1">
+                              <a:lumMod val="50000"/>
+                            </a:schemeClr>
+                          </a:solidFill>
+                        </a:rPr>
+                        <a:t> </a:t>
+                      </a:r>
+                      <a:r>
+                        <a:rPr lang="en-US" sz="1100" baseline="30000" dirty="0">
+                          <a:solidFill>
+                            <a:schemeClr val="bg1">
+                              <a:lumMod val="50000"/>
+                            </a:schemeClr>
+                          </a:solidFill>
+                          <a:hlinkClick r:id="rId2" action="ppaction://hlinksldjump"/>
+                        </a:rPr>
+                        <a:t>[2]</a:t>
+                      </a:r>
+                      <a:endParaRPr lang="en-IN" sz="1100" kern="1200" dirty="0">
+                        <a:solidFill>
+                          <a:schemeClr val="tx1"/>
+                        </a:solidFill>
+                        <a:latin typeface="+mn-lt"/>
+                        <a:ea typeface="+mn-ea"/>
+                        <a:cs typeface="+mn-cs"/>
+                      </a:endParaRPr>
+                    </a:p>
+                    <a:p>
+                      <a:pPr marL="0" marR="0" lvl="0" indent="0" algn="l" defTabSz="914400" rtl="0" eaLnBrk="1" fontAlgn="auto" latinLnBrk="0" hangingPunct="1">
+                        <a:lnSpc>
+                          <a:spcPct val="100000"/>
+                        </a:lnSpc>
+                        <a:spcBef>
+                          <a:spcPts val="0"/>
+                        </a:spcBef>
+                        <a:spcAft>
+                          <a:spcPts val="0"/>
+                        </a:spcAft>
+                        <a:buClrTx/>
+                        <a:buSzTx/>
+                        <a:buFontTx/>
+                        <a:buNone/>
+                        <a:tabLst/>
+                        <a:defRPr/>
+                      </a:pPr>
+                      <a:r>
+                        <a:rPr lang="en-IN" sz="1100" kern="1200" dirty="0" err="1">
+                          <a:solidFill>
+                            <a:schemeClr val="tx1"/>
+                          </a:solidFill>
+                          <a:latin typeface="+mn-lt"/>
+                          <a:ea typeface="+mn-ea"/>
+                          <a:cs typeface="+mn-cs"/>
+                        </a:rPr>
+                        <a:t>ax</a:t>
+                      </a:r>
+                      <a:r>
+                        <a:rPr lang="en-IN" sz="1100" kern="1200" dirty="0">
+                          <a:solidFill>
+                            <a:schemeClr val="tx1"/>
+                          </a:solidFill>
+                          <a:latin typeface="+mn-lt"/>
+                          <a:ea typeface="+mn-ea"/>
+                          <a:cs typeface="+mn-cs"/>
+                        </a:rPr>
+                        <a:t> = </a:t>
+                      </a:r>
+                      <a:r>
+                        <a:rPr lang="en-IN" sz="1100" kern="1200" dirty="0" err="1">
+                          <a:solidFill>
+                            <a:schemeClr val="tx1"/>
+                          </a:solidFill>
+                          <a:latin typeface="+mn-lt"/>
+                          <a:ea typeface="+mn-ea"/>
+                          <a:cs typeface="+mn-cs"/>
+                        </a:rPr>
+                        <a:t>seaborn.countplot</a:t>
+                      </a:r>
+                      <a:r>
+                        <a:rPr lang="en-IN" sz="1100" kern="1200" dirty="0">
+                          <a:solidFill>
+                            <a:schemeClr val="tx1"/>
+                          </a:solidFill>
+                          <a:latin typeface="+mn-lt"/>
+                          <a:ea typeface="+mn-ea"/>
+                          <a:cs typeface="+mn-cs"/>
+                        </a:rPr>
+                        <a:t>(x=‘name’, data=df, palette=‘</a:t>
+                      </a:r>
+                      <a:r>
+                        <a:rPr lang="en-IN" sz="1100" kern="1200" dirty="0" err="1">
+                          <a:solidFill>
+                            <a:schemeClr val="tx1"/>
+                          </a:solidFill>
+                          <a:latin typeface="+mn-lt"/>
+                          <a:ea typeface="+mn-ea"/>
+                          <a:cs typeface="+mn-cs"/>
+                        </a:rPr>
+                        <a:t>YlOrBr</a:t>
+                      </a:r>
+                      <a:r>
+                        <a:rPr lang="en-IN" sz="1100" kern="1200" dirty="0">
+                          <a:solidFill>
+                            <a:schemeClr val="tx1"/>
+                          </a:solidFill>
+                          <a:latin typeface="+mn-lt"/>
+                          <a:ea typeface="+mn-ea"/>
+                          <a:cs typeface="+mn-cs"/>
+                        </a:rPr>
+                        <a:t>’)</a:t>
+                      </a:r>
+                      <a:r>
+                        <a:rPr lang="en-US" sz="1100" baseline="30000" dirty="0">
+                          <a:solidFill>
+                            <a:schemeClr val="bg1">
+                              <a:lumMod val="50000"/>
+                            </a:schemeClr>
+                          </a:solidFill>
+                        </a:rPr>
+                        <a:t> </a:t>
+                      </a:r>
+                      <a:r>
+                        <a:rPr lang="en-US" sz="1100" baseline="30000" dirty="0">
+                          <a:solidFill>
+                            <a:schemeClr val="bg1">
+                              <a:lumMod val="50000"/>
+                            </a:schemeClr>
+                          </a:solidFill>
+                          <a:hlinkClick r:id="rId2" action="ppaction://hlinksldjump"/>
+                        </a:rPr>
+                        <a:t>[3]</a:t>
+                      </a:r>
+                      <a:endParaRPr lang="en-IN" sz="1100" kern="1200" dirty="0">
+                        <a:solidFill>
+                          <a:schemeClr val="tx1"/>
+                        </a:solidFill>
+                        <a:latin typeface="+mn-lt"/>
+                        <a:ea typeface="+mn-ea"/>
+                        <a:cs typeface="+mn-cs"/>
+                      </a:endParaRPr>
+                    </a:p>
+                  </a:txBody>
+                  <a:tcPr/>
+                </a:tc>
+                <a:tc>
+                  <a:txBody>
+                    <a:bodyPr/>
+                    <a:lstStyle/>
+                    <a:p>
+                      <a:r>
+                        <a:rPr lang="en-US" sz="1100" i="1" kern="1200" dirty="0">
+                          <a:solidFill>
+                            <a:schemeClr val="bg1">
+                              <a:lumMod val="50000"/>
+                            </a:schemeClr>
+                          </a:solidFill>
+                          <a:latin typeface="+mn-lt"/>
+                          <a:ea typeface="+mn-ea"/>
+                          <a:cs typeface="+mn-cs"/>
+                        </a:rPr>
+                        <a:t># No equivalent one line code found</a:t>
+                      </a:r>
+                    </a:p>
+                    <a:p>
+                      <a:r>
+                        <a:rPr lang="en-US" sz="1100" kern="1200" dirty="0" err="1">
+                          <a:solidFill>
+                            <a:schemeClr val="tx1"/>
+                          </a:solidFill>
+                          <a:latin typeface="+mn-lt"/>
+                          <a:ea typeface="+mn-ea"/>
+                          <a:cs typeface="+mn-cs"/>
+                        </a:rPr>
+                        <a:t>ggplot</a:t>
+                      </a:r>
+                      <a:r>
+                        <a:rPr lang="en-US" sz="1100" kern="1200" dirty="0">
+                          <a:solidFill>
+                            <a:schemeClr val="tx1"/>
+                          </a:solidFill>
+                          <a:latin typeface="+mn-lt"/>
+                          <a:ea typeface="+mn-ea"/>
+                          <a:cs typeface="+mn-cs"/>
+                        </a:rPr>
+                        <a:t>(df, </a:t>
+                      </a:r>
+                      <a:r>
+                        <a:rPr lang="en-US" sz="1100" kern="1200" dirty="0" err="1">
+                          <a:solidFill>
+                            <a:schemeClr val="tx1"/>
+                          </a:solidFill>
+                          <a:latin typeface="+mn-lt"/>
+                          <a:ea typeface="+mn-ea"/>
+                          <a:cs typeface="+mn-cs"/>
+                        </a:rPr>
+                        <a:t>aes</a:t>
+                      </a:r>
+                      <a:r>
+                        <a:rPr lang="en-US" sz="1100" kern="1200" dirty="0">
+                          <a:solidFill>
+                            <a:schemeClr val="tx1"/>
+                          </a:solidFill>
+                          <a:latin typeface="+mn-lt"/>
+                          <a:ea typeface="+mn-ea"/>
+                          <a:cs typeface="+mn-cs"/>
+                        </a:rPr>
+                        <a:t>(x = </a:t>
+                      </a:r>
+                      <a:r>
+                        <a:rPr lang="en-US" sz="1100" kern="1200" dirty="0" err="1">
+                          <a:solidFill>
+                            <a:schemeClr val="tx1"/>
+                          </a:solidFill>
+                          <a:latin typeface="+mn-lt"/>
+                          <a:ea typeface="+mn-ea"/>
+                          <a:cs typeface="+mn-cs"/>
+                        </a:rPr>
+                        <a:t>colname</a:t>
+                      </a:r>
+                      <a:r>
+                        <a:rPr lang="en-US" sz="1100" kern="1200" dirty="0">
+                          <a:solidFill>
+                            <a:schemeClr val="tx1"/>
+                          </a:solidFill>
+                          <a:latin typeface="+mn-lt"/>
+                          <a:ea typeface="+mn-ea"/>
+                          <a:cs typeface="+mn-cs"/>
+                        </a:rPr>
+                        <a:t>)) + </a:t>
+                      </a:r>
+                      <a:r>
+                        <a:rPr lang="en-US" sz="1100" kern="1200" dirty="0" err="1">
+                          <a:solidFill>
+                            <a:schemeClr val="tx1"/>
+                          </a:solidFill>
+                          <a:latin typeface="+mn-lt"/>
+                          <a:ea typeface="+mn-ea"/>
+                          <a:cs typeface="+mn-cs"/>
+                        </a:rPr>
+                        <a:t>geom_bar</a:t>
+                      </a:r>
+                      <a:r>
+                        <a:rPr lang="en-US" sz="1100" kern="1200" dirty="0">
+                          <a:solidFill>
+                            <a:schemeClr val="tx1"/>
+                          </a:solidFill>
+                          <a:latin typeface="+mn-lt"/>
+                          <a:ea typeface="+mn-ea"/>
+                          <a:cs typeface="+mn-cs"/>
+                        </a:rPr>
+                        <a:t>()</a:t>
+                      </a:r>
+                    </a:p>
+                  </a:txBody>
+                  <a:tcPr/>
+                </a:tc>
+                <a:extLst>
+                  <a:ext uri="{0D108BD9-81ED-4DB2-BD59-A6C34878D82A}">
+                    <a16:rowId xmlns:a16="http://schemas.microsoft.com/office/drawing/2014/main" val="477232674"/>
                   </a:ext>
                 </a:extLst>
               </a:tr>
@@ -8166,36 +9688,6 @@
           <a:chExt cx="0" cy="0"/>
         </a:xfrm>
       </p:grpSpPr>
-      <p:pic>
-        <p:nvPicPr>
-          <p:cNvPr id="2" name="Picture 1">
-            <a:extLst>
-              <a:ext uri="{FF2B5EF4-FFF2-40B4-BE49-F238E27FC236}">
-                <a16:creationId xmlns:a16="http://schemas.microsoft.com/office/drawing/2014/main" id="{42362809-03B8-DC4E-BDE7-53B810BE90FB}"/>
-              </a:ext>
-            </a:extLst>
-          </p:cNvPr>
-          <p:cNvPicPr>
-            <a:picLocks noChangeAspect="1"/>
-          </p:cNvPicPr>
-          <p:nvPr/>
-        </p:nvPicPr>
-        <p:blipFill>
-          <a:blip r:embed="rId2"/>
-          <a:stretch>
-            <a:fillRect/>
-          </a:stretch>
-        </p:blipFill>
-        <p:spPr>
-          <a:xfrm>
-            <a:off x="768497" y="288040"/>
-            <a:ext cx="4175644" cy="3665776"/>
-          </a:xfrm>
-          <a:prstGeom prst="rect">
-            <a:avLst/>
-          </a:prstGeom>
-        </p:spPr>
-      </p:pic>
       <p:sp>
         <p:nvSpPr>
           <p:cNvPr id="3" name="Rectangle 2">
@@ -8252,14 +9744,14 @@
           <p:nvPr/>
         </p:nvPicPr>
         <p:blipFill>
-          <a:blip r:embed="rId3"/>
+          <a:blip r:embed="rId2"/>
           <a:stretch>
             <a:fillRect/>
           </a:stretch>
         </p:blipFill>
         <p:spPr>
           <a:xfrm>
-            <a:off x="5393213" y="288040"/>
+            <a:off x="802017" y="1797864"/>
             <a:ext cx="2203896" cy="3665776"/>
           </a:xfrm>
           <a:prstGeom prst="rect">
@@ -8281,7 +9773,7 @@
         </p:nvSpPr>
         <p:spPr>
           <a:xfrm>
-            <a:off x="5003504" y="288040"/>
+            <a:off x="412308" y="1797864"/>
             <a:ext cx="356188" cy="369332"/>
           </a:xfrm>
           <a:prstGeom prst="rect">
@@ -8308,6 +9800,36 @@
           </a:p>
         </p:txBody>
       </p:sp>
+      <p:pic>
+        <p:nvPicPr>
+          <p:cNvPr id="6" name="Picture 5">
+            <a:extLst>
+              <a:ext uri="{FF2B5EF4-FFF2-40B4-BE49-F238E27FC236}">
+                <a16:creationId xmlns:a16="http://schemas.microsoft.com/office/drawing/2014/main" id="{AFBC58D6-967F-5847-B63F-35F5B9A92639}"/>
+              </a:ext>
+            </a:extLst>
+          </p:cNvPr>
+          <p:cNvPicPr>
+            <a:picLocks noChangeAspect="1"/>
+          </p:cNvPicPr>
+          <p:nvPr/>
+        </p:nvPicPr>
+        <p:blipFill>
+          <a:blip r:embed="rId3"/>
+          <a:stretch>
+            <a:fillRect/>
+          </a:stretch>
+        </p:blipFill>
+        <p:spPr>
+          <a:xfrm>
+            <a:off x="835836" y="288040"/>
+            <a:ext cx="9613017" cy="1318290"/>
+          </a:xfrm>
+          <a:prstGeom prst="rect">
+            <a:avLst/>
+          </a:prstGeom>
+        </p:spPr>
+      </p:pic>
     </p:spTree>
     <p:extLst>
       <p:ext uri="{BB962C8B-B14F-4D97-AF65-F5344CB8AC3E}">
